--- a/content/files/pp/JAdventure_1.1-Vision.pptx
+++ b/content/files/pp/JAdventure_1.1-Vision.pptx
@@ -5,11 +5,12 @@
     <p:sldMasterId id="2147483648" r:id="rId1"/>
   </p:sldMasterIdLst>
   <p:notesMasterIdLst>
-    <p:notesMasterId r:id="rId4"/>
+    <p:notesMasterId r:id="rId5"/>
   </p:notesMasterIdLst>
   <p:sldIdLst>
     <p:sldId id="256" r:id="rId2"/>
-    <p:sldId id="257" r:id="rId3"/>
+    <p:sldId id="258" r:id="rId3"/>
+    <p:sldId id="257" r:id="rId4"/>
   </p:sldIdLst>
   <p:sldSz cx="12192000" cy="6858000"/>
   <p:notesSz cx="6858000" cy="9144000"/>
@@ -201,7 +202,7 @@
           <a:p>
             <a:fld id="{EE6CFBD2-79AB-1C4D-93E1-B31A0534F9F7}" type="datetimeFigureOut">
               <a:rPr lang="de-DE" smtClean="0"/>
-              <a:t>11.01.23</a:t>
+              <a:t>28.01.23</a:t>
             </a:fld>
             <a:endParaRPr lang="de-DE"/>
           </a:p>
@@ -699,7 +700,7 @@
           <a:p>
             <a:fld id="{697DBD05-FDB4-8941-AA24-2DD7A82C953D}" type="datetimeFigureOut">
               <a:rPr lang="de-DE" smtClean="0"/>
-              <a:t>11.01.23</a:t>
+              <a:t>28.01.23</a:t>
             </a:fld>
             <a:endParaRPr lang="de-DE"/>
           </a:p>
@@ -897,7 +898,7 @@
           <a:p>
             <a:fld id="{697DBD05-FDB4-8941-AA24-2DD7A82C953D}" type="datetimeFigureOut">
               <a:rPr lang="de-DE" smtClean="0"/>
-              <a:t>11.01.23</a:t>
+              <a:t>28.01.23</a:t>
             </a:fld>
             <a:endParaRPr lang="de-DE"/>
           </a:p>
@@ -1105,7 +1106,7 @@
           <a:p>
             <a:fld id="{697DBD05-FDB4-8941-AA24-2DD7A82C953D}" type="datetimeFigureOut">
               <a:rPr lang="de-DE" smtClean="0"/>
-              <a:t>11.01.23</a:t>
+              <a:t>28.01.23</a:t>
             </a:fld>
             <a:endParaRPr lang="de-DE"/>
           </a:p>
@@ -1303,7 +1304,7 @@
           <a:p>
             <a:fld id="{697DBD05-FDB4-8941-AA24-2DD7A82C953D}" type="datetimeFigureOut">
               <a:rPr lang="de-DE" smtClean="0"/>
-              <a:t>11.01.23</a:t>
+              <a:t>28.01.23</a:t>
             </a:fld>
             <a:endParaRPr lang="de-DE"/>
           </a:p>
@@ -1578,7 +1579,7 @@
           <a:p>
             <a:fld id="{697DBD05-FDB4-8941-AA24-2DD7A82C953D}" type="datetimeFigureOut">
               <a:rPr lang="de-DE" smtClean="0"/>
-              <a:t>11.01.23</a:t>
+              <a:t>28.01.23</a:t>
             </a:fld>
             <a:endParaRPr lang="de-DE"/>
           </a:p>
@@ -1843,7 +1844,7 @@
           <a:p>
             <a:fld id="{697DBD05-FDB4-8941-AA24-2DD7A82C953D}" type="datetimeFigureOut">
               <a:rPr lang="de-DE" smtClean="0"/>
-              <a:t>11.01.23</a:t>
+              <a:t>28.01.23</a:t>
             </a:fld>
             <a:endParaRPr lang="de-DE"/>
           </a:p>
@@ -2255,7 +2256,7 @@
           <a:p>
             <a:fld id="{697DBD05-FDB4-8941-AA24-2DD7A82C953D}" type="datetimeFigureOut">
               <a:rPr lang="de-DE" smtClean="0"/>
-              <a:t>11.01.23</a:t>
+              <a:t>28.01.23</a:t>
             </a:fld>
             <a:endParaRPr lang="de-DE"/>
           </a:p>
@@ -2396,7 +2397,7 @@
           <a:p>
             <a:fld id="{697DBD05-FDB4-8941-AA24-2DD7A82C953D}" type="datetimeFigureOut">
               <a:rPr lang="de-DE" smtClean="0"/>
-              <a:t>11.01.23</a:t>
+              <a:t>28.01.23</a:t>
             </a:fld>
             <a:endParaRPr lang="de-DE"/>
           </a:p>
@@ -2509,7 +2510,7 @@
           <a:p>
             <a:fld id="{697DBD05-FDB4-8941-AA24-2DD7A82C953D}" type="datetimeFigureOut">
               <a:rPr lang="de-DE" smtClean="0"/>
-              <a:t>11.01.23</a:t>
+              <a:t>28.01.23</a:t>
             </a:fld>
             <a:endParaRPr lang="de-DE"/>
           </a:p>
@@ -2820,7 +2821,7 @@
           <a:p>
             <a:fld id="{697DBD05-FDB4-8941-AA24-2DD7A82C953D}" type="datetimeFigureOut">
               <a:rPr lang="de-DE" smtClean="0"/>
-              <a:t>11.01.23</a:t>
+              <a:t>28.01.23</a:t>
             </a:fld>
             <a:endParaRPr lang="de-DE"/>
           </a:p>
@@ -3108,7 +3109,7 @@
           <a:p>
             <a:fld id="{697DBD05-FDB4-8941-AA24-2DD7A82C953D}" type="datetimeFigureOut">
               <a:rPr lang="de-DE" smtClean="0"/>
-              <a:t>11.01.23</a:t>
+              <a:t>28.01.23</a:t>
             </a:fld>
             <a:endParaRPr lang="de-DE"/>
           </a:p>
@@ -3349,7 +3350,7 @@
           <a:p>
             <a:fld id="{697DBD05-FDB4-8941-AA24-2DD7A82C953D}" type="datetimeFigureOut">
               <a:rPr lang="de-DE" smtClean="0"/>
-              <a:t>11.01.23</a:t>
+              <a:t>28.01.23</a:t>
             </a:fld>
             <a:endParaRPr lang="de-DE"/>
           </a:p>
@@ -3754,35 +3755,9 @@
   <p:cSld>
     <p:bg>
       <p:bgPr>
-        <a:gradFill>
-          <a:gsLst>
-            <a:gs pos="0">
-              <a:schemeClr val="accent1">
-                <a:lumMod val="5000"/>
-                <a:lumOff val="95000"/>
-              </a:schemeClr>
-            </a:gs>
-            <a:gs pos="74000">
-              <a:schemeClr val="accent1">
-                <a:lumMod val="45000"/>
-                <a:lumOff val="55000"/>
-              </a:schemeClr>
-            </a:gs>
-            <a:gs pos="83000">
-              <a:schemeClr val="accent1">
-                <a:lumMod val="45000"/>
-                <a:lumOff val="55000"/>
-              </a:schemeClr>
-            </a:gs>
-            <a:gs pos="100000">
-              <a:schemeClr val="accent1">
-                <a:lumMod val="30000"/>
-                <a:lumOff val="70000"/>
-              </a:schemeClr>
-            </a:gs>
-          </a:gsLst>
-          <a:lin ang="5400000" scaled="1"/>
-        </a:gradFill>
+        <a:solidFill>
+          <a:schemeClr val="bg1"/>
+        </a:solidFill>
         <a:effectLst/>
       </p:bgPr>
     </p:bg>
@@ -3802,1065 +3777,10 @@
       </p:grpSpPr>
       <p:sp useBgFill="1">
         <p:nvSpPr>
-          <p:cNvPr id="9" name="Rectangle 8">
-            <a:extLst>
-              <a:ext uri="{FF2B5EF4-FFF2-40B4-BE49-F238E27FC236}">
-                <a16:creationId xmlns:a16="http://schemas.microsoft.com/office/drawing/2014/main" id="{3E443FD7-A66B-4AA0-872D-B088B9BC5F17}"/>
-              </a:ext>
-              <a:ext uri="{C183D7F6-B498-43B3-948B-1728B52AA6E4}">
-                <adec:decorative xmlns:adec="http://schemas.microsoft.com/office/drawing/2017/decorative" val="1"/>
-              </a:ext>
-            </a:extLst>
-          </p:cNvPr>
-          <p:cNvSpPr>
-            <a:spLocks noGrp="1" noRot="1" noChangeAspect="1" noMove="1" noResize="1" noEditPoints="1" noAdjustHandles="1" noChangeArrowheads="1" noChangeShapeType="1" noTextEdit="1"/>
-          </p:cNvSpPr>
-          <p:nvPr>
-            <p:extLst>
-              <p:ext uri="{386F3935-93C4-4BCD-93E2-E3B085C9AB24}">
-                <p16:designElem xmlns:p16="http://schemas.microsoft.com/office/powerpoint/2015/main" val="1"/>
-              </p:ext>
-            </p:extLst>
-          </p:nvPr>
-        </p:nvSpPr>
-        <p:spPr>
-          <a:xfrm>
-            <a:off x="0" y="0"/>
-            <a:ext cx="12192000" cy="6858000"/>
-          </a:xfrm>
-          <a:prstGeom prst="rect">
-            <a:avLst/>
-          </a:prstGeom>
-          <a:ln>
-            <a:noFill/>
-          </a:ln>
-        </p:spPr>
-        <p:style>
-          <a:lnRef idx="2">
-            <a:schemeClr val="accent1">
-              <a:shade val="50000"/>
-            </a:schemeClr>
-          </a:lnRef>
-          <a:fillRef idx="1">
-            <a:schemeClr val="accent1"/>
-          </a:fillRef>
-          <a:effectRef idx="0">
-            <a:schemeClr val="accent1"/>
-          </a:effectRef>
-          <a:fontRef idx="minor">
-            <a:schemeClr val="lt1"/>
-          </a:fontRef>
-        </p:style>
-        <p:txBody>
-          <a:bodyPr rtlCol="0" anchor="ctr"/>
-          <a:lstStyle/>
-          <a:p>
-            <a:pPr algn="ctr"/>
-            <a:endParaRPr lang="en-US"/>
-          </a:p>
-        </p:txBody>
-      </p:sp>
-      <p:sp>
-        <p:nvSpPr>
-          <p:cNvPr id="2" name="Titel 1">
-            <a:extLst>
-              <a:ext uri="{FF2B5EF4-FFF2-40B4-BE49-F238E27FC236}">
-                <a16:creationId xmlns:a16="http://schemas.microsoft.com/office/drawing/2014/main" id="{160D286A-6190-30A7-40E3-6315F146853C}"/>
-              </a:ext>
-            </a:extLst>
-          </p:cNvPr>
-          <p:cNvSpPr>
-            <a:spLocks noGrp="1"/>
-          </p:cNvSpPr>
-          <p:nvPr>
-            <p:ph type="ctrTitle"/>
-          </p:nvPr>
-        </p:nvSpPr>
-        <p:spPr>
-          <a:xfrm>
-            <a:off x="1094095" y="851517"/>
-            <a:ext cx="5238466" cy="2991416"/>
-          </a:xfrm>
-        </p:spPr>
-        <p:txBody>
-          <a:bodyPr anchor="b">
-            <a:normAutofit/>
-          </a:bodyPr>
-          <a:lstStyle/>
-          <a:p>
-            <a:pPr algn="l"/>
-            <a:r>
-              <a:rPr lang="de-DE" dirty="0" err="1"/>
-              <a:t>JAdventure</a:t>
-            </a:r>
-            <a:endParaRPr lang="de-DE" dirty="0"/>
-          </a:p>
-        </p:txBody>
-      </p:sp>
-      <p:sp>
-        <p:nvSpPr>
-          <p:cNvPr id="3" name="Untertitel 2">
-            <a:extLst>
-              <a:ext uri="{FF2B5EF4-FFF2-40B4-BE49-F238E27FC236}">
-                <a16:creationId xmlns:a16="http://schemas.microsoft.com/office/drawing/2014/main" id="{331DA519-A2FB-9F7D-E893-E7F08C4DB4AA}"/>
-              </a:ext>
-            </a:extLst>
-          </p:cNvPr>
-          <p:cNvSpPr>
-            <a:spLocks noGrp="1"/>
-          </p:cNvSpPr>
-          <p:nvPr>
-            <p:ph type="subTitle" idx="1"/>
-          </p:nvPr>
-        </p:nvSpPr>
-        <p:spPr>
-          <a:xfrm>
-            <a:off x="1094096" y="3842932"/>
-            <a:ext cx="4167115" cy="2163551"/>
-          </a:xfrm>
-        </p:spPr>
-        <p:txBody>
-          <a:bodyPr anchor="t">
-            <a:normAutofit/>
-          </a:bodyPr>
-          <a:lstStyle/>
-          <a:p>
-            <a:pPr algn="l"/>
-            <a:r>
-              <a:rPr lang="de-DE" dirty="0"/>
-              <a:t>Lektion 1 – Übersicht Projekt</a:t>
-            </a:r>
-          </a:p>
-        </p:txBody>
-      </p:sp>
-      <p:sp>
-        <p:nvSpPr>
-          <p:cNvPr id="11" name="Freeform: Shape 10">
-            <a:extLst>
-              <a:ext uri="{FF2B5EF4-FFF2-40B4-BE49-F238E27FC236}">
-                <a16:creationId xmlns:a16="http://schemas.microsoft.com/office/drawing/2014/main" id="{C04BE0EF-3561-49B4-9A29-F283168A91C7}"/>
-              </a:ext>
-              <a:ext uri="{C183D7F6-B498-43B3-948B-1728B52AA6E4}">
-                <adec:decorative xmlns:adec="http://schemas.microsoft.com/office/drawing/2017/decorative" val="1"/>
-              </a:ext>
-            </a:extLst>
-          </p:cNvPr>
-          <p:cNvSpPr>
-            <a:spLocks noGrp="1" noRot="1" noChangeAspect="1" noMove="1" noResize="1" noEditPoints="1" noAdjustHandles="1" noChangeArrowheads="1" noChangeShapeType="1" noTextEdit="1"/>
-          </p:cNvSpPr>
-          <p:nvPr>
-            <p:extLst>
-              <p:ext uri="{386F3935-93C4-4BCD-93E2-E3B085C9AB24}">
-                <p16:designElem xmlns:p16="http://schemas.microsoft.com/office/powerpoint/2015/main" val="1"/>
-              </p:ext>
-            </p:extLst>
-          </p:nvPr>
-        </p:nvSpPr>
-        <p:spPr>
-          <a:xfrm>
-            <a:off x="5510370" y="851518"/>
-            <a:ext cx="6184806" cy="5154967"/>
-          </a:xfrm>
-          <a:custGeom>
-            <a:avLst/>
-            <a:gdLst>
-              <a:gd name="connsiteX0" fmla="*/ 363179 w 6184806"/>
-              <a:gd name="connsiteY0" fmla="*/ 3125191 h 5154967"/>
-              <a:gd name="connsiteX1" fmla="*/ 898270 w 6184806"/>
-              <a:gd name="connsiteY1" fmla="*/ 3125191 h 5154967"/>
-              <a:gd name="connsiteX2" fmla="*/ 980326 w 6184806"/>
-              <a:gd name="connsiteY2" fmla="*/ 3173551 h 5154967"/>
-              <a:gd name="connsiteX3" fmla="*/ 1248448 w 6184806"/>
-              <a:gd name="connsiteY3" fmla="*/ 3635277 h 5154967"/>
-              <a:gd name="connsiteX4" fmla="*/ 1248448 w 6184806"/>
-              <a:gd name="connsiteY4" fmla="*/ 3729695 h 5154967"/>
-              <a:gd name="connsiteX5" fmla="*/ 980326 w 6184806"/>
-              <a:gd name="connsiteY5" fmla="*/ 4191421 h 5154967"/>
-              <a:gd name="connsiteX6" fmla="*/ 898270 w 6184806"/>
-              <a:gd name="connsiteY6" fmla="*/ 4239781 h 5154967"/>
-              <a:gd name="connsiteX7" fmla="*/ 363179 w 6184806"/>
-              <a:gd name="connsiteY7" fmla="*/ 4239781 h 5154967"/>
-              <a:gd name="connsiteX8" fmla="*/ 279969 w 6184806"/>
-              <a:gd name="connsiteY8" fmla="*/ 4191421 h 5154967"/>
-              <a:gd name="connsiteX9" fmla="*/ 13002 w 6184806"/>
-              <a:gd name="connsiteY9" fmla="*/ 3729695 h 5154967"/>
-              <a:gd name="connsiteX10" fmla="*/ 13002 w 6184806"/>
-              <a:gd name="connsiteY10" fmla="*/ 3635277 h 5154967"/>
-              <a:gd name="connsiteX11" fmla="*/ 279969 w 6184806"/>
-              <a:gd name="connsiteY11" fmla="*/ 3173551 h 5154967"/>
-              <a:gd name="connsiteX12" fmla="*/ 363179 w 6184806"/>
-              <a:gd name="connsiteY12" fmla="*/ 3125191 h 5154967"/>
-              <a:gd name="connsiteX13" fmla="*/ 2489721 w 6184806"/>
-              <a:gd name="connsiteY13" fmla="*/ 570035 h 5154967"/>
-              <a:gd name="connsiteX14" fmla="*/ 2764862 w 6184806"/>
-              <a:gd name="connsiteY14" fmla="*/ 570035 h 5154967"/>
-              <a:gd name="connsiteX15" fmla="*/ 2796959 w 6184806"/>
-              <a:gd name="connsiteY15" fmla="*/ 570035 h 5154967"/>
-              <a:gd name="connsiteX16" fmla="*/ 2827587 w 6184806"/>
-              <a:gd name="connsiteY16" fmla="*/ 622777 h 5154967"/>
-              <a:gd name="connsiteX17" fmla="*/ 2977604 w 6184806"/>
-              <a:gd name="connsiteY17" fmla="*/ 881117 h 5154967"/>
-              <a:gd name="connsiteX18" fmla="*/ 2977604 w 6184806"/>
-              <a:gd name="connsiteY18" fmla="*/ 1025720 h 5154967"/>
-              <a:gd name="connsiteX19" fmla="*/ 2566968 w 6184806"/>
-              <a:gd name="connsiteY19" fmla="*/ 1732863 h 5154967"/>
-              <a:gd name="connsiteX20" fmla="*/ 2441299 w 6184806"/>
-              <a:gd name="connsiteY20" fmla="*/ 1806927 h 5154967"/>
-              <a:gd name="connsiteX21" fmla="*/ 1621798 w 6184806"/>
-              <a:gd name="connsiteY21" fmla="*/ 1806927 h 5154967"/>
-              <a:gd name="connsiteX22" fmla="*/ 1583218 w 6184806"/>
-              <a:gd name="connsiteY22" fmla="*/ 1801802 h 5154967"/>
-              <a:gd name="connsiteX23" fmla="*/ 1556683 w 6184806"/>
-              <a:gd name="connsiteY23" fmla="*/ 1790677 h 5154967"/>
-              <a:gd name="connsiteX24" fmla="*/ 1572899 w 6184806"/>
-              <a:gd name="connsiteY24" fmla="*/ 1762630 h 5154967"/>
-              <a:gd name="connsiteX25" fmla="*/ 2147429 w 6184806"/>
-              <a:gd name="connsiteY25" fmla="*/ 768968 h 5154967"/>
-              <a:gd name="connsiteX26" fmla="*/ 2489721 w 6184806"/>
-              <a:gd name="connsiteY26" fmla="*/ 570035 h 5154967"/>
-              <a:gd name="connsiteX27" fmla="*/ 1573268 w 6184806"/>
-              <a:gd name="connsiteY27" fmla="*/ 0 h 5154967"/>
-              <a:gd name="connsiteX28" fmla="*/ 2497662 w 6184806"/>
-              <a:gd name="connsiteY28" fmla="*/ 0 h 5154967"/>
-              <a:gd name="connsiteX29" fmla="*/ 2639415 w 6184806"/>
-              <a:gd name="connsiteY29" fmla="*/ 83546 h 5154967"/>
-              <a:gd name="connsiteX30" fmla="*/ 2887862 w 6184806"/>
-              <a:gd name="connsiteY30" fmla="*/ 511387 h 5154967"/>
-              <a:gd name="connsiteX31" fmla="*/ 2915928 w 6184806"/>
-              <a:gd name="connsiteY31" fmla="*/ 559720 h 5154967"/>
-              <a:gd name="connsiteX32" fmla="*/ 2893844 w 6184806"/>
-              <a:gd name="connsiteY32" fmla="*/ 559720 h 5154967"/>
-              <a:gd name="connsiteX33" fmla="*/ 2789466 w 6184806"/>
-              <a:gd name="connsiteY33" fmla="*/ 559720 h 5154967"/>
-              <a:gd name="connsiteX34" fmla="*/ 2744122 w 6184806"/>
-              <a:gd name="connsiteY34" fmla="*/ 481634 h 5154967"/>
-              <a:gd name="connsiteX35" fmla="*/ 2570885 w 6184806"/>
-              <a:gd name="connsiteY35" fmla="*/ 183309 h 5154967"/>
-              <a:gd name="connsiteX36" fmla="*/ 2445216 w 6184806"/>
-              <a:gd name="connsiteY36" fmla="*/ 109243 h 5154967"/>
-              <a:gd name="connsiteX37" fmla="*/ 1625714 w 6184806"/>
-              <a:gd name="connsiteY37" fmla="*/ 109243 h 5154967"/>
-              <a:gd name="connsiteX38" fmla="*/ 1498276 w 6184806"/>
-              <a:gd name="connsiteY38" fmla="*/ 183309 h 5154967"/>
-              <a:gd name="connsiteX39" fmla="*/ 1089410 w 6184806"/>
-              <a:gd name="connsiteY39" fmla="*/ 890450 h 5154967"/>
-              <a:gd name="connsiteX40" fmla="*/ 1089410 w 6184806"/>
-              <a:gd name="connsiteY40" fmla="*/ 1035054 h 5154967"/>
-              <a:gd name="connsiteX41" fmla="*/ 1498276 w 6184806"/>
-              <a:gd name="connsiteY41" fmla="*/ 1742196 h 5154967"/>
-              <a:gd name="connsiteX42" fmla="*/ 1552039 w 6184806"/>
-              <a:gd name="connsiteY42" fmla="*/ 1796422 h 5154967"/>
-              <a:gd name="connsiteX43" fmla="*/ 1558260 w 6184806"/>
-              <a:gd name="connsiteY43" fmla="*/ 1799029 h 5154967"/>
-              <a:gd name="connsiteX44" fmla="*/ 1524911 w 6184806"/>
-              <a:gd name="connsiteY44" fmla="*/ 1856707 h 5154967"/>
-              <a:gd name="connsiteX45" fmla="*/ 1500108 w 6184806"/>
-              <a:gd name="connsiteY45" fmla="*/ 1899604 h 5154967"/>
-              <a:gd name="connsiteX46" fmla="*/ 1525834 w 6184806"/>
-              <a:gd name="connsiteY46" fmla="*/ 1910390 h 5154967"/>
-              <a:gd name="connsiteX47" fmla="*/ 1569352 w 6184806"/>
-              <a:gd name="connsiteY47" fmla="*/ 1916170 h 5154967"/>
-              <a:gd name="connsiteX48" fmla="*/ 2493745 w 6184806"/>
-              <a:gd name="connsiteY48" fmla="*/ 1916170 h 5154967"/>
-              <a:gd name="connsiteX49" fmla="*/ 2635498 w 6184806"/>
-              <a:gd name="connsiteY49" fmla="*/ 1832627 h 5154967"/>
-              <a:gd name="connsiteX50" fmla="*/ 3098693 w 6184806"/>
-              <a:gd name="connsiteY50" fmla="*/ 1034974 h 5154967"/>
-              <a:gd name="connsiteX51" fmla="*/ 3098693 w 6184806"/>
-              <a:gd name="connsiteY51" fmla="*/ 871863 h 5154967"/>
-              <a:gd name="connsiteX52" fmla="*/ 2945803 w 6184806"/>
-              <a:gd name="connsiteY52" fmla="*/ 608576 h 5154967"/>
-              <a:gd name="connsiteX53" fmla="*/ 2923422 w 6184806"/>
-              <a:gd name="connsiteY53" fmla="*/ 570035 h 5154967"/>
-              <a:gd name="connsiteX54" fmla="*/ 3027104 w 6184806"/>
-              <a:gd name="connsiteY54" fmla="*/ 570035 h 5154967"/>
-              <a:gd name="connsiteX55" fmla="*/ 4690846 w 6184806"/>
-              <a:gd name="connsiteY55" fmla="*/ 570035 h 5154967"/>
-              <a:gd name="connsiteX56" fmla="*/ 5028384 w 6184806"/>
-              <a:gd name="connsiteY56" fmla="*/ 768968 h 5154967"/>
-              <a:gd name="connsiteX57" fmla="*/ 6131323 w 6184806"/>
-              <a:gd name="connsiteY57" fmla="*/ 2668304 h 5154967"/>
-              <a:gd name="connsiteX58" fmla="*/ 6131323 w 6184806"/>
-              <a:gd name="connsiteY58" fmla="*/ 3056698 h 5154967"/>
-              <a:gd name="connsiteX59" fmla="*/ 5028384 w 6184806"/>
-              <a:gd name="connsiteY59" fmla="*/ 4956035 h 5154967"/>
-              <a:gd name="connsiteX60" fmla="*/ 4690846 w 6184806"/>
-              <a:gd name="connsiteY60" fmla="*/ 5154967 h 5154967"/>
-              <a:gd name="connsiteX61" fmla="*/ 2489721 w 6184806"/>
-              <a:gd name="connsiteY61" fmla="*/ 5154967 h 5154967"/>
-              <a:gd name="connsiteX62" fmla="*/ 2147429 w 6184806"/>
-              <a:gd name="connsiteY62" fmla="*/ 4956035 h 5154967"/>
-              <a:gd name="connsiteX63" fmla="*/ 1049243 w 6184806"/>
-              <a:gd name="connsiteY63" fmla="*/ 3056698 h 5154967"/>
-              <a:gd name="connsiteX64" fmla="*/ 1049243 w 6184806"/>
-              <a:gd name="connsiteY64" fmla="*/ 2668304 h 5154967"/>
-              <a:gd name="connsiteX65" fmla="*/ 1457007 w 6184806"/>
-              <a:gd name="connsiteY65" fmla="*/ 1963067 h 5154967"/>
-              <a:gd name="connsiteX66" fmla="*/ 1491373 w 6184806"/>
-              <a:gd name="connsiteY66" fmla="*/ 1903634 h 5154967"/>
-              <a:gd name="connsiteX67" fmla="*/ 1490164 w 6184806"/>
-              <a:gd name="connsiteY67" fmla="*/ 1903127 h 5154967"/>
-              <a:gd name="connsiteX68" fmla="*/ 1429519 w 6184806"/>
-              <a:gd name="connsiteY68" fmla="*/ 1841960 h 5154967"/>
-              <a:gd name="connsiteX69" fmla="*/ 968320 w 6184806"/>
-              <a:gd name="connsiteY69" fmla="*/ 1044307 h 5154967"/>
-              <a:gd name="connsiteX70" fmla="*/ 968320 w 6184806"/>
-              <a:gd name="connsiteY70" fmla="*/ 881196 h 5154967"/>
-              <a:gd name="connsiteX71" fmla="*/ 1429519 w 6184806"/>
-              <a:gd name="connsiteY71" fmla="*/ 83546 h 5154967"/>
-              <a:gd name="connsiteX72" fmla="*/ 1573268 w 6184806"/>
-              <a:gd name="connsiteY72" fmla="*/ 0 h 5154967"/>
-            </a:gdLst>
-            <a:ahLst/>
-            <a:cxnLst>
-              <a:cxn ang="0">
-                <a:pos x="connsiteX0" y="connsiteY0"/>
-              </a:cxn>
-              <a:cxn ang="0">
-                <a:pos x="connsiteX1" y="connsiteY1"/>
-              </a:cxn>
-              <a:cxn ang="0">
-                <a:pos x="connsiteX2" y="connsiteY2"/>
-              </a:cxn>
-              <a:cxn ang="0">
-                <a:pos x="connsiteX3" y="connsiteY3"/>
-              </a:cxn>
-              <a:cxn ang="0">
-                <a:pos x="connsiteX4" y="connsiteY4"/>
-              </a:cxn>
-              <a:cxn ang="0">
-                <a:pos x="connsiteX5" y="connsiteY5"/>
-              </a:cxn>
-              <a:cxn ang="0">
-                <a:pos x="connsiteX6" y="connsiteY6"/>
-              </a:cxn>
-              <a:cxn ang="0">
-                <a:pos x="connsiteX7" y="connsiteY7"/>
-              </a:cxn>
-              <a:cxn ang="0">
-                <a:pos x="connsiteX8" y="connsiteY8"/>
-              </a:cxn>
-              <a:cxn ang="0">
-                <a:pos x="connsiteX9" y="connsiteY9"/>
-              </a:cxn>
-              <a:cxn ang="0">
-                <a:pos x="connsiteX10" y="connsiteY10"/>
-              </a:cxn>
-              <a:cxn ang="0">
-                <a:pos x="connsiteX11" y="connsiteY11"/>
-              </a:cxn>
-              <a:cxn ang="0">
-                <a:pos x="connsiteX12" y="connsiteY12"/>
-              </a:cxn>
-              <a:cxn ang="0">
-                <a:pos x="connsiteX13" y="connsiteY13"/>
-              </a:cxn>
-              <a:cxn ang="0">
-                <a:pos x="connsiteX14" y="connsiteY14"/>
-              </a:cxn>
-              <a:cxn ang="0">
-                <a:pos x="connsiteX15" y="connsiteY15"/>
-              </a:cxn>
-              <a:cxn ang="0">
-                <a:pos x="connsiteX16" y="connsiteY16"/>
-              </a:cxn>
-              <a:cxn ang="0">
-                <a:pos x="connsiteX17" y="connsiteY17"/>
-              </a:cxn>
-              <a:cxn ang="0">
-                <a:pos x="connsiteX18" y="connsiteY18"/>
-              </a:cxn>
-              <a:cxn ang="0">
-                <a:pos x="connsiteX19" y="connsiteY19"/>
-              </a:cxn>
-              <a:cxn ang="0">
-                <a:pos x="connsiteX20" y="connsiteY20"/>
-              </a:cxn>
-              <a:cxn ang="0">
-                <a:pos x="connsiteX21" y="connsiteY21"/>
-              </a:cxn>
-              <a:cxn ang="0">
-                <a:pos x="connsiteX22" y="connsiteY22"/>
-              </a:cxn>
-              <a:cxn ang="0">
-                <a:pos x="connsiteX23" y="connsiteY23"/>
-              </a:cxn>
-              <a:cxn ang="0">
-                <a:pos x="connsiteX24" y="connsiteY24"/>
-              </a:cxn>
-              <a:cxn ang="0">
-                <a:pos x="connsiteX25" y="connsiteY25"/>
-              </a:cxn>
-              <a:cxn ang="0">
-                <a:pos x="connsiteX26" y="connsiteY26"/>
-              </a:cxn>
-              <a:cxn ang="0">
-                <a:pos x="connsiteX27" y="connsiteY27"/>
-              </a:cxn>
-              <a:cxn ang="0">
-                <a:pos x="connsiteX28" y="connsiteY28"/>
-              </a:cxn>
-              <a:cxn ang="0">
-                <a:pos x="connsiteX29" y="connsiteY29"/>
-              </a:cxn>
-              <a:cxn ang="0">
-                <a:pos x="connsiteX30" y="connsiteY30"/>
-              </a:cxn>
-              <a:cxn ang="0">
-                <a:pos x="connsiteX31" y="connsiteY31"/>
-              </a:cxn>
-              <a:cxn ang="0">
-                <a:pos x="connsiteX32" y="connsiteY32"/>
-              </a:cxn>
-              <a:cxn ang="0">
-                <a:pos x="connsiteX33" y="connsiteY33"/>
-              </a:cxn>
-              <a:cxn ang="0">
-                <a:pos x="connsiteX34" y="connsiteY34"/>
-              </a:cxn>
-              <a:cxn ang="0">
-                <a:pos x="connsiteX35" y="connsiteY35"/>
-              </a:cxn>
-              <a:cxn ang="0">
-                <a:pos x="connsiteX36" y="connsiteY36"/>
-              </a:cxn>
-              <a:cxn ang="0">
-                <a:pos x="connsiteX37" y="connsiteY37"/>
-              </a:cxn>
-              <a:cxn ang="0">
-                <a:pos x="connsiteX38" y="connsiteY38"/>
-              </a:cxn>
-              <a:cxn ang="0">
-                <a:pos x="connsiteX39" y="connsiteY39"/>
-              </a:cxn>
-              <a:cxn ang="0">
-                <a:pos x="connsiteX40" y="connsiteY40"/>
-              </a:cxn>
-              <a:cxn ang="0">
-                <a:pos x="connsiteX41" y="connsiteY41"/>
-              </a:cxn>
-              <a:cxn ang="0">
-                <a:pos x="connsiteX42" y="connsiteY42"/>
-              </a:cxn>
-              <a:cxn ang="0">
-                <a:pos x="connsiteX43" y="connsiteY43"/>
-              </a:cxn>
-              <a:cxn ang="0">
-                <a:pos x="connsiteX44" y="connsiteY44"/>
-              </a:cxn>
-              <a:cxn ang="0">
-                <a:pos x="connsiteX45" y="connsiteY45"/>
-              </a:cxn>
-              <a:cxn ang="0">
-                <a:pos x="connsiteX46" y="connsiteY46"/>
-              </a:cxn>
-              <a:cxn ang="0">
-                <a:pos x="connsiteX47" y="connsiteY47"/>
-              </a:cxn>
-              <a:cxn ang="0">
-                <a:pos x="connsiteX48" y="connsiteY48"/>
-              </a:cxn>
-              <a:cxn ang="0">
-                <a:pos x="connsiteX49" y="connsiteY49"/>
-              </a:cxn>
-              <a:cxn ang="0">
-                <a:pos x="connsiteX50" y="connsiteY50"/>
-              </a:cxn>
-              <a:cxn ang="0">
-                <a:pos x="connsiteX51" y="connsiteY51"/>
-              </a:cxn>
-              <a:cxn ang="0">
-                <a:pos x="connsiteX52" y="connsiteY52"/>
-              </a:cxn>
-              <a:cxn ang="0">
-                <a:pos x="connsiteX53" y="connsiteY53"/>
-              </a:cxn>
-              <a:cxn ang="0">
-                <a:pos x="connsiteX54" y="connsiteY54"/>
-              </a:cxn>
-              <a:cxn ang="0">
-                <a:pos x="connsiteX55" y="connsiteY55"/>
-              </a:cxn>
-              <a:cxn ang="0">
-                <a:pos x="connsiteX56" y="connsiteY56"/>
-              </a:cxn>
-              <a:cxn ang="0">
-                <a:pos x="connsiteX57" y="connsiteY57"/>
-              </a:cxn>
-              <a:cxn ang="0">
-                <a:pos x="connsiteX58" y="connsiteY58"/>
-              </a:cxn>
-              <a:cxn ang="0">
-                <a:pos x="connsiteX59" y="connsiteY59"/>
-              </a:cxn>
-              <a:cxn ang="0">
-                <a:pos x="connsiteX60" y="connsiteY60"/>
-              </a:cxn>
-              <a:cxn ang="0">
-                <a:pos x="connsiteX61" y="connsiteY61"/>
-              </a:cxn>
-              <a:cxn ang="0">
-                <a:pos x="connsiteX62" y="connsiteY62"/>
-              </a:cxn>
-              <a:cxn ang="0">
-                <a:pos x="connsiteX63" y="connsiteY63"/>
-              </a:cxn>
-              <a:cxn ang="0">
-                <a:pos x="connsiteX64" y="connsiteY64"/>
-              </a:cxn>
-              <a:cxn ang="0">
-                <a:pos x="connsiteX65" y="connsiteY65"/>
-              </a:cxn>
-              <a:cxn ang="0">
-                <a:pos x="connsiteX66" y="connsiteY66"/>
-              </a:cxn>
-              <a:cxn ang="0">
-                <a:pos x="connsiteX67" y="connsiteY67"/>
-              </a:cxn>
-              <a:cxn ang="0">
-                <a:pos x="connsiteX68" y="connsiteY68"/>
-              </a:cxn>
-              <a:cxn ang="0">
-                <a:pos x="connsiteX69" y="connsiteY69"/>
-              </a:cxn>
-              <a:cxn ang="0">
-                <a:pos x="connsiteX70" y="connsiteY70"/>
-              </a:cxn>
-              <a:cxn ang="0">
-                <a:pos x="connsiteX71" y="connsiteY71"/>
-              </a:cxn>
-              <a:cxn ang="0">
-                <a:pos x="connsiteX72" y="connsiteY72"/>
-              </a:cxn>
-            </a:cxnLst>
-            <a:rect l="l" t="t" r="r" b="b"/>
-            <a:pathLst>
-              <a:path w="6184806" h="5154967">
-                <a:moveTo>
-                  <a:pt x="363179" y="3125191"/>
-                </a:moveTo>
-                <a:cubicBezTo>
-                  <a:pt x="363179" y="3125191"/>
-                  <a:pt x="363179" y="3125191"/>
-                  <a:pt x="898270" y="3125191"/>
-                </a:cubicBezTo>
-                <a:cubicBezTo>
-                  <a:pt x="931786" y="3125191"/>
-                  <a:pt x="964145" y="3143614"/>
-                  <a:pt x="980326" y="3173551"/>
-                </a:cubicBezTo>
-                <a:cubicBezTo>
-                  <a:pt x="980326" y="3173551"/>
-                  <a:pt x="980326" y="3173551"/>
-                  <a:pt x="1248448" y="3635277"/>
-                </a:cubicBezTo>
-                <a:cubicBezTo>
-                  <a:pt x="1265784" y="3664063"/>
-                  <a:pt x="1265784" y="3700909"/>
-                  <a:pt x="1248448" y="3729695"/>
-                </a:cubicBezTo>
-                <a:cubicBezTo>
-                  <a:pt x="1248448" y="3729695"/>
-                  <a:pt x="1248448" y="3729695"/>
-                  <a:pt x="980326" y="4191421"/>
-                </a:cubicBezTo>
-                <a:cubicBezTo>
-                  <a:pt x="964145" y="4221358"/>
-                  <a:pt x="931786" y="4239781"/>
-                  <a:pt x="898270" y="4239781"/>
-                </a:cubicBezTo>
-                <a:cubicBezTo>
-                  <a:pt x="898270" y="4239781"/>
-                  <a:pt x="898270" y="4239781"/>
-                  <a:pt x="363179" y="4239781"/>
-                </a:cubicBezTo>
-                <a:cubicBezTo>
-                  <a:pt x="328508" y="4239781"/>
-                  <a:pt x="297305" y="4221358"/>
-                  <a:pt x="279969" y="4191421"/>
-                </a:cubicBezTo>
-                <a:cubicBezTo>
-                  <a:pt x="279969" y="4191421"/>
-                  <a:pt x="279969" y="4191421"/>
-                  <a:pt x="13002" y="3729695"/>
-                </a:cubicBezTo>
-                <a:cubicBezTo>
-                  <a:pt x="-4334" y="3700909"/>
-                  <a:pt x="-4334" y="3664063"/>
-                  <a:pt x="13002" y="3635277"/>
-                </a:cubicBezTo>
-                <a:cubicBezTo>
-                  <a:pt x="13002" y="3635277"/>
-                  <a:pt x="13002" y="3635277"/>
-                  <a:pt x="279969" y="3173551"/>
-                </a:cubicBezTo>
-                <a:cubicBezTo>
-                  <a:pt x="297305" y="3143614"/>
-                  <a:pt x="328508" y="3125191"/>
-                  <a:pt x="363179" y="3125191"/>
-                </a:cubicBezTo>
-                <a:close/>
-                <a:moveTo>
-                  <a:pt x="2489721" y="570035"/>
-                </a:moveTo>
-                <a:cubicBezTo>
-                  <a:pt x="2489721" y="570035"/>
-                  <a:pt x="2489721" y="570035"/>
-                  <a:pt x="2764862" y="570035"/>
-                </a:cubicBezTo>
-                <a:lnTo>
-                  <a:pt x="2796959" y="570035"/>
-                </a:lnTo>
-                <a:lnTo>
-                  <a:pt x="2827587" y="622777"/>
-                </a:lnTo>
-                <a:cubicBezTo>
-                  <a:pt x="2870233" y="696217"/>
-                  <a:pt x="2919858" y="781675"/>
-                  <a:pt x="2977604" y="881117"/>
-                </a:cubicBezTo>
-                <a:cubicBezTo>
-                  <a:pt x="3004153" y="925204"/>
-                  <a:pt x="3004153" y="981634"/>
-                  <a:pt x="2977604" y="1025720"/>
-                </a:cubicBezTo>
-                <a:cubicBezTo>
-                  <a:pt x="2977604" y="1025720"/>
-                  <a:pt x="2977604" y="1025720"/>
-                  <a:pt x="2566968" y="1732863"/>
-                </a:cubicBezTo>
-                <a:cubicBezTo>
-                  <a:pt x="2542188" y="1778712"/>
-                  <a:pt x="2492629" y="1806927"/>
-                  <a:pt x="2441299" y="1806927"/>
-                </a:cubicBezTo>
-                <a:cubicBezTo>
-                  <a:pt x="2441299" y="1806927"/>
-                  <a:pt x="2441299" y="1806927"/>
-                  <a:pt x="1621798" y="1806927"/>
-                </a:cubicBezTo>
-                <a:cubicBezTo>
-                  <a:pt x="1608523" y="1806927"/>
-                  <a:pt x="1595580" y="1805163"/>
-                  <a:pt x="1583218" y="1801802"/>
-                </a:cubicBezTo>
-                <a:lnTo>
-                  <a:pt x="1556683" y="1790677"/>
-                </a:lnTo>
-                <a:lnTo>
-                  <a:pt x="1572899" y="1762630"/>
-                </a:lnTo>
-                <a:cubicBezTo>
-                  <a:pt x="1719523" y="1509042"/>
-                  <a:pt x="1907201" y="1184448"/>
-                  <a:pt x="2147429" y="768968"/>
-                </a:cubicBezTo>
-                <a:cubicBezTo>
-                  <a:pt x="2218739" y="645819"/>
-                  <a:pt x="2347099" y="570035"/>
-                  <a:pt x="2489721" y="570035"/>
-                </a:cubicBezTo>
-                <a:close/>
-                <a:moveTo>
-                  <a:pt x="1573268" y="0"/>
-                </a:moveTo>
-                <a:cubicBezTo>
-                  <a:pt x="1573268" y="0"/>
-                  <a:pt x="1573268" y="0"/>
-                  <a:pt x="2497662" y="0"/>
-                </a:cubicBezTo>
-                <a:cubicBezTo>
-                  <a:pt x="2555561" y="0"/>
-                  <a:pt x="2611463" y="31828"/>
-                  <a:pt x="2639415" y="83546"/>
-                </a:cubicBezTo>
-                <a:cubicBezTo>
-                  <a:pt x="2639415" y="83546"/>
-                  <a:pt x="2639415" y="83546"/>
-                  <a:pt x="2887862" y="511387"/>
-                </a:cubicBezTo>
-                <a:lnTo>
-                  <a:pt x="2915928" y="559720"/>
-                </a:lnTo>
-                <a:lnTo>
-                  <a:pt x="2893844" y="559720"/>
-                </a:lnTo>
-                <a:lnTo>
-                  <a:pt x="2789466" y="559720"/>
-                </a:lnTo>
-                <a:lnTo>
-                  <a:pt x="2744122" y="481634"/>
-                </a:lnTo>
-                <a:cubicBezTo>
-                  <a:pt x="2570885" y="183309"/>
-                  <a:pt x="2570885" y="183309"/>
-                  <a:pt x="2570885" y="183309"/>
-                </a:cubicBezTo>
-                <a:cubicBezTo>
-                  <a:pt x="2546104" y="137459"/>
-                  <a:pt x="2496545" y="109243"/>
-                  <a:pt x="2445216" y="109243"/>
-                </a:cubicBezTo>
-                <a:cubicBezTo>
-                  <a:pt x="1625714" y="109243"/>
-                  <a:pt x="1625714" y="109243"/>
-                  <a:pt x="1625714" y="109243"/>
-                </a:cubicBezTo>
-                <a:cubicBezTo>
-                  <a:pt x="1572615" y="109243"/>
-                  <a:pt x="1524825" y="137459"/>
-                  <a:pt x="1498276" y="183309"/>
-                </a:cubicBezTo>
-                <a:cubicBezTo>
-                  <a:pt x="1089410" y="890450"/>
-                  <a:pt x="1089410" y="890450"/>
-                  <a:pt x="1089410" y="890450"/>
-                </a:cubicBezTo>
-                <a:cubicBezTo>
-                  <a:pt x="1062860" y="934537"/>
-                  <a:pt x="1062860" y="990967"/>
-                  <a:pt x="1089410" y="1035054"/>
-                </a:cubicBezTo>
-                <a:cubicBezTo>
-                  <a:pt x="1498276" y="1742196"/>
-                  <a:pt x="1498276" y="1742196"/>
-                  <a:pt x="1498276" y="1742196"/>
-                </a:cubicBezTo>
-                <a:cubicBezTo>
-                  <a:pt x="1511551" y="1765121"/>
-                  <a:pt x="1530135" y="1783637"/>
-                  <a:pt x="1552039" y="1796422"/>
-                </a:cubicBezTo>
-                <a:lnTo>
-                  <a:pt x="1558260" y="1799029"/>
-                </a:lnTo>
-                <a:lnTo>
-                  <a:pt x="1524911" y="1856707"/>
-                </a:lnTo>
-                <a:lnTo>
-                  <a:pt x="1500108" y="1899604"/>
-                </a:lnTo>
-                <a:lnTo>
-                  <a:pt x="1525834" y="1910390"/>
-                </a:lnTo>
-                <a:cubicBezTo>
-                  <a:pt x="1539779" y="1914181"/>
-                  <a:pt x="1554378" y="1916170"/>
-                  <a:pt x="1569352" y="1916170"/>
-                </a:cubicBezTo>
-                <a:cubicBezTo>
-                  <a:pt x="2493745" y="1916170"/>
-                  <a:pt x="2493745" y="1916170"/>
-                  <a:pt x="2493745" y="1916170"/>
-                </a:cubicBezTo>
-                <a:cubicBezTo>
-                  <a:pt x="2551645" y="1916170"/>
-                  <a:pt x="2607546" y="1884345"/>
-                  <a:pt x="2635498" y="1832627"/>
-                </a:cubicBezTo>
-                <a:cubicBezTo>
-                  <a:pt x="3098693" y="1034974"/>
-                  <a:pt x="3098693" y="1034974"/>
-                  <a:pt x="3098693" y="1034974"/>
-                </a:cubicBezTo>
-                <a:cubicBezTo>
-                  <a:pt x="3128641" y="985246"/>
-                  <a:pt x="3128641" y="921593"/>
-                  <a:pt x="3098693" y="871863"/>
-                </a:cubicBezTo>
-                <a:cubicBezTo>
-                  <a:pt x="3040794" y="772157"/>
-                  <a:pt x="2990132" y="684914"/>
-                  <a:pt x="2945803" y="608576"/>
-                </a:cubicBezTo>
-                <a:lnTo>
-                  <a:pt x="2923422" y="570035"/>
-                </a:lnTo>
-                <a:lnTo>
-                  <a:pt x="3027104" y="570035"/>
-                </a:lnTo>
-                <a:cubicBezTo>
-                  <a:pt x="3349535" y="570035"/>
-                  <a:pt x="3865424" y="570035"/>
-                  <a:pt x="4690846" y="570035"/>
-                </a:cubicBezTo>
-                <a:cubicBezTo>
-                  <a:pt x="4828714" y="570035"/>
-                  <a:pt x="4961827" y="645819"/>
-                  <a:pt x="5028384" y="768968"/>
-                </a:cubicBezTo>
-                <a:cubicBezTo>
-                  <a:pt x="5028384" y="768968"/>
-                  <a:pt x="5028384" y="768968"/>
-                  <a:pt x="6131323" y="2668304"/>
-                </a:cubicBezTo>
-                <a:cubicBezTo>
-                  <a:pt x="6202634" y="2786717"/>
-                  <a:pt x="6202634" y="2938285"/>
-                  <a:pt x="6131323" y="3056698"/>
-                </a:cubicBezTo>
-                <a:cubicBezTo>
-                  <a:pt x="6131323" y="3056698"/>
-                  <a:pt x="6131323" y="3056698"/>
-                  <a:pt x="5028384" y="4956035"/>
-                </a:cubicBezTo>
-                <a:cubicBezTo>
-                  <a:pt x="4961827" y="5079184"/>
-                  <a:pt x="4828714" y="5154967"/>
-                  <a:pt x="4690846" y="5154967"/>
-                </a:cubicBezTo>
-                <a:cubicBezTo>
-                  <a:pt x="4690846" y="5154967"/>
-                  <a:pt x="4690846" y="5154967"/>
-                  <a:pt x="2489721" y="5154967"/>
-                </a:cubicBezTo>
-                <a:cubicBezTo>
-                  <a:pt x="2347099" y="5154967"/>
-                  <a:pt x="2218739" y="5079184"/>
-                  <a:pt x="2147429" y="4956035"/>
-                </a:cubicBezTo>
-                <a:cubicBezTo>
-                  <a:pt x="2147429" y="4956035"/>
-                  <a:pt x="2147429" y="4956035"/>
-                  <a:pt x="1049243" y="3056698"/>
-                </a:cubicBezTo>
-                <a:cubicBezTo>
-                  <a:pt x="977932" y="2938285"/>
-                  <a:pt x="977932" y="2786717"/>
-                  <a:pt x="1049243" y="2668304"/>
-                </a:cubicBezTo>
-                <a:cubicBezTo>
-                  <a:pt x="1049243" y="2668304"/>
-                  <a:pt x="1049243" y="2668304"/>
-                  <a:pt x="1457007" y="1963067"/>
-                </a:cubicBezTo>
-                <a:lnTo>
-                  <a:pt x="1491373" y="1903634"/>
-                </a:lnTo>
-                <a:lnTo>
-                  <a:pt x="1490164" y="1903127"/>
-                </a:lnTo>
-                <a:cubicBezTo>
-                  <a:pt x="1465456" y="1888705"/>
-                  <a:pt x="1444493" y="1867820"/>
-                  <a:pt x="1429519" y="1841960"/>
-                </a:cubicBezTo>
-                <a:cubicBezTo>
-                  <a:pt x="1429519" y="1841960"/>
-                  <a:pt x="1429519" y="1841960"/>
-                  <a:pt x="968320" y="1044307"/>
-                </a:cubicBezTo>
-                <a:cubicBezTo>
-                  <a:pt x="938371" y="994579"/>
-                  <a:pt x="938371" y="930926"/>
-                  <a:pt x="968320" y="881196"/>
-                </a:cubicBezTo>
-                <a:cubicBezTo>
-                  <a:pt x="968320" y="881196"/>
-                  <a:pt x="968320" y="881196"/>
-                  <a:pt x="1429519" y="83546"/>
-                </a:cubicBezTo>
-                <a:cubicBezTo>
-                  <a:pt x="1459466" y="31828"/>
-                  <a:pt x="1513373" y="0"/>
-                  <a:pt x="1573268" y="0"/>
-                </a:cubicBezTo>
-                <a:close/>
-              </a:path>
-            </a:pathLst>
-          </a:custGeom>
-          <a:solidFill>
-            <a:schemeClr val="tx1">
-              <a:lumMod val="50000"/>
-              <a:lumOff val="50000"/>
-              <a:alpha val="15000"/>
-            </a:schemeClr>
-          </a:solidFill>
-          <a:ln>
-            <a:noFill/>
-          </a:ln>
-        </p:spPr>
-        <p:style>
-          <a:lnRef idx="2">
-            <a:schemeClr val="accent1">
-              <a:shade val="50000"/>
-            </a:schemeClr>
-          </a:lnRef>
-          <a:fillRef idx="1">
-            <a:schemeClr val="accent1"/>
-          </a:fillRef>
-          <a:effectRef idx="0">
-            <a:schemeClr val="accent1"/>
-          </a:effectRef>
-          <a:fontRef idx="minor">
-            <a:schemeClr val="lt1"/>
-          </a:fontRef>
-        </p:style>
-        <p:txBody>
-          <a:bodyPr wrap="square" rtlCol="0" anchor="ctr">
-            <a:noAutofit/>
-          </a:bodyPr>
-          <a:lstStyle/>
-          <a:p>
-            <a:pPr algn="ctr"/>
-            <a:endParaRPr lang="en-US"/>
-          </a:p>
-        </p:txBody>
-      </p:sp>
-      <p:pic>
-        <p:nvPicPr>
-          <p:cNvPr id="4" name="Grafik 3" descr="Ein Bild, das Text enthält.&#10;&#10;Automatisch generierte Beschreibung">
-            <a:extLst>
-              <a:ext uri="{FF2B5EF4-FFF2-40B4-BE49-F238E27FC236}">
-                <a16:creationId xmlns:a16="http://schemas.microsoft.com/office/drawing/2014/main" id="{FA02FDC0-4D0C-EB7C-9A92-3BDCF245FF3D}"/>
-              </a:ext>
-            </a:extLst>
-          </p:cNvPr>
-          <p:cNvPicPr>
-            <a:picLocks noChangeAspect="1"/>
-          </p:cNvPicPr>
-          <p:nvPr/>
-        </p:nvPicPr>
-        <p:blipFill>
-          <a:blip r:embed="rId3">
-            <a:extLst>
-              <a:ext uri="{28A0092B-C50C-407E-A947-70E740481C1C}">
-                <a14:useLocalDpi xmlns:a14="http://schemas.microsoft.com/office/drawing/2010/main" val="0"/>
-              </a:ext>
-            </a:extLst>
-          </a:blip>
-          <a:stretch>
-            <a:fillRect/>
-          </a:stretch>
-        </p:blipFill>
-        <p:spPr>
-          <a:xfrm rot="21600000">
-            <a:off x="7531503" y="3034182"/>
-            <a:ext cx="3217333" cy="1407583"/>
-          </a:xfrm>
-          <a:prstGeom prst="rect">
-            <a:avLst/>
-          </a:prstGeom>
-        </p:spPr>
-      </p:pic>
-      <p:sp>
-        <p:nvSpPr>
-          <p:cNvPr id="5" name="Textfeld 4">
-            <a:extLst>
-              <a:ext uri="{FF2B5EF4-FFF2-40B4-BE49-F238E27FC236}">
-                <a16:creationId xmlns:a16="http://schemas.microsoft.com/office/drawing/2014/main" id="{4750B92A-39DC-05AB-EB0C-558C09B20598}"/>
-              </a:ext>
-            </a:extLst>
-          </p:cNvPr>
-          <p:cNvSpPr txBox="1"/>
-          <p:nvPr/>
-        </p:nvSpPr>
-        <p:spPr>
-          <a:xfrm>
-            <a:off x="0" y="59267"/>
-            <a:ext cx="12192000" cy="584775"/>
-          </a:xfrm>
-          <a:prstGeom prst="rect">
-            <a:avLst/>
-          </a:prstGeom>
-          <a:noFill/>
-        </p:spPr>
-        <p:txBody>
-          <a:bodyPr wrap="square" rtlCol="0">
-            <a:spAutoFit/>
-          </a:bodyPr>
-          <a:lstStyle/>
-          <a:p>
-            <a:pPr algn="ctr"/>
-            <a:r>
-              <a:rPr lang="de-DE" sz="3200" dirty="0">
-                <a:solidFill>
-                  <a:srgbClr val="FF0000"/>
-                </a:solidFill>
-              </a:rPr>
-              <a:t>https://</a:t>
-            </a:r>
-            <a:r>
-              <a:rPr lang="de-DE" sz="3200" dirty="0" err="1">
-                <a:solidFill>
-                  <a:srgbClr val="FF0000"/>
-                </a:solidFill>
-              </a:rPr>
-              <a:t>www.jadventure.de</a:t>
-            </a:r>
-            <a:endParaRPr lang="de-DE" sz="3200" dirty="0">
-              <a:solidFill>
-                <a:srgbClr val="FF0000"/>
-              </a:solidFill>
-            </a:endParaRPr>
-          </a:p>
-        </p:txBody>
-      </p:sp>
-    </p:spTree>
-    <p:extLst>
-      <p:ext uri="{BB962C8B-B14F-4D97-AF65-F5344CB8AC3E}">
-        <p14:creationId xmlns:p14="http://schemas.microsoft.com/office/powerpoint/2010/main" val="3358351342"/>
-      </p:ext>
-    </p:extLst>
-  </p:cSld>
-  <p:clrMapOvr>
-    <a:masterClrMapping/>
-  </p:clrMapOvr>
-</p:sld>
-</file>
-
-<file path=ppt/slides/slide2.xml><?xml version="1.0" encoding="utf-8"?>
-<p:sld xmlns:a="http://schemas.openxmlformats.org/drawingml/2006/main" xmlns:r="http://schemas.openxmlformats.org/officeDocument/2006/relationships" xmlns:p="http://schemas.openxmlformats.org/presentationml/2006/main">
-  <p:cSld>
-    <p:bg>
-      <p:bgPr>
-        <a:gradFill>
-          <a:gsLst>
-            <a:gs pos="0">
-              <a:schemeClr val="accent1">
-                <a:lumMod val="0"/>
-                <a:lumOff val="100000"/>
-              </a:schemeClr>
-            </a:gs>
-            <a:gs pos="40000">
-              <a:schemeClr val="accent1">
-                <a:lumMod val="0"/>
-                <a:lumOff val="100000"/>
-              </a:schemeClr>
-            </a:gs>
-            <a:gs pos="100000">
-              <a:schemeClr val="accent1">
-                <a:lumMod val="100000"/>
-              </a:schemeClr>
-            </a:gs>
-          </a:gsLst>
-          <a:path path="circle">
-            <a:fillToRect l="50000" t="-80000" r="50000" b="180000"/>
-          </a:path>
-        </a:gradFill>
-        <a:effectLst/>
-      </p:bgPr>
-    </p:bg>
-    <p:spTree>
-      <p:nvGrpSpPr>
-        <p:cNvPr id="1" name=""/>
-        <p:cNvGrpSpPr/>
-        <p:nvPr/>
-      </p:nvGrpSpPr>
-      <p:grpSpPr>
-        <a:xfrm>
-          <a:off x="0" y="0"/>
-          <a:ext cx="0" cy="0"/>
-          <a:chOff x="0" y="0"/>
-          <a:chExt cx="0" cy="0"/>
-        </a:xfrm>
-      </p:grpSpPr>
-      <p:sp useBgFill="1">
-        <p:nvSpPr>
-          <p:cNvPr id="28" name="Rectangle 27">
-            <a:extLst>
-              <a:ext uri="{FF2B5EF4-FFF2-40B4-BE49-F238E27FC236}">
-                <a16:creationId xmlns:a16="http://schemas.microsoft.com/office/drawing/2014/main" id="{B7BD7FCF-A254-4A97-A15C-319B67622677}"/>
+          <p:cNvPr id="16" name="Rectangle 15">
+            <a:extLst>
+              <a:ext uri="{FF2B5EF4-FFF2-40B4-BE49-F238E27FC236}">
+                <a16:creationId xmlns:a16="http://schemas.microsoft.com/office/drawing/2014/main" id="{72BC1CF5-415C-4DAE-B2C2-A8BF9A1D5AEB}"/>
               </a:ext>
               <a:ext uri="{C183D7F6-B498-43B3-948B-1728B52AA6E4}">
                 <adec:decorative xmlns:adec="http://schemas.microsoft.com/office/drawing/2017/decorative" val="1"/>
@@ -4917,10 +3837,10 @@
       </p:sp>
       <p:sp>
         <p:nvSpPr>
-          <p:cNvPr id="30" name="Freeform: Shape 29">
-            <a:extLst>
-              <a:ext uri="{FF2B5EF4-FFF2-40B4-BE49-F238E27FC236}">
-                <a16:creationId xmlns:a16="http://schemas.microsoft.com/office/drawing/2014/main" id="{52FFAF72-6204-4676-9C6F-9A4CC4D91805}"/>
+          <p:cNvPr id="18" name="Freeform 5">
+            <a:extLst>
+              <a:ext uri="{FF2B5EF4-FFF2-40B4-BE49-F238E27FC236}">
+                <a16:creationId xmlns:a16="http://schemas.microsoft.com/office/drawing/2014/main" id="{6C651D0D-A2E7-46B3-BEEA-71161FCA9735}"/>
               </a:ext>
               <a:ext uri="{C183D7F6-B498-43B3-948B-1728B52AA6E4}">
                 <adec:decorative xmlns:adec="http://schemas.microsoft.com/office/drawing/2017/decorative" val="1"/>
@@ -4938,973 +3858,348 @@
             </p:extLst>
           </p:nvPr>
         </p:nvSpPr>
-        <p:spPr>
-          <a:xfrm flipH="1">
-            <a:off x="0" y="0"/>
-            <a:ext cx="5962785" cy="6858000"/>
+        <p:spPr bwMode="auto">
+          <a:xfrm>
+            <a:off x="6409782" y="1654168"/>
+            <a:ext cx="822493" cy="4232692"/>
           </a:xfrm>
           <a:custGeom>
             <a:avLst/>
             <a:gdLst>
-              <a:gd name="connsiteX0" fmla="*/ 1044839 w 5962785"/>
-              <a:gd name="connsiteY0" fmla="*/ 0 h 6858000"/>
-              <a:gd name="connsiteX1" fmla="*/ 5962785 w 5962785"/>
-              <a:gd name="connsiteY1" fmla="*/ 0 h 6858000"/>
-              <a:gd name="connsiteX2" fmla="*/ 5962785 w 5962785"/>
-              <a:gd name="connsiteY2" fmla="*/ 6858000 h 6858000"/>
-              <a:gd name="connsiteX3" fmla="*/ 1469886 w 5962785"/>
-              <a:gd name="connsiteY3" fmla="*/ 6858000 h 6858000"/>
-              <a:gd name="connsiteX4" fmla="*/ 1416006 w 5962785"/>
-              <a:gd name="connsiteY4" fmla="*/ 6823984 h 6858000"/>
-              <a:gd name="connsiteX5" fmla="*/ 1232473 w 5962785"/>
-              <a:gd name="connsiteY5" fmla="*/ 6733873 h 6858000"/>
-              <a:gd name="connsiteX6" fmla="*/ 1075471 w 5962785"/>
-              <a:gd name="connsiteY6" fmla="*/ 6503186 h 6858000"/>
-              <a:gd name="connsiteX7" fmla="*/ 1020229 w 5962785"/>
-              <a:gd name="connsiteY7" fmla="*/ 6438306 h 6858000"/>
-              <a:gd name="connsiteX8" fmla="*/ 883579 w 5962785"/>
-              <a:gd name="connsiteY8" fmla="*/ 6351798 h 6858000"/>
-              <a:gd name="connsiteX9" fmla="*/ 645167 w 5962785"/>
-              <a:gd name="connsiteY9" fmla="*/ 6167969 h 6858000"/>
-              <a:gd name="connsiteX10" fmla="*/ 732391 w 5962785"/>
-              <a:gd name="connsiteY10" fmla="*/ 6124716 h 6858000"/>
-              <a:gd name="connsiteX11" fmla="*/ 985339 w 5962785"/>
-              <a:gd name="connsiteY11" fmla="*/ 6236455 h 6858000"/>
-              <a:gd name="connsiteX12" fmla="*/ 1168509 w 5962785"/>
-              <a:gd name="connsiteY12" fmla="*/ 6265291 h 6858000"/>
-              <a:gd name="connsiteX13" fmla="*/ 909746 w 5962785"/>
-              <a:gd name="connsiteY13" fmla="*/ 6070649 h 6858000"/>
-              <a:gd name="connsiteX14" fmla="*/ 659704 w 5962785"/>
-              <a:gd name="connsiteY14" fmla="*/ 5818335 h 6858000"/>
-              <a:gd name="connsiteX15" fmla="*/ 851597 w 5962785"/>
-              <a:gd name="connsiteY15" fmla="*/ 5865193 h 6858000"/>
-              <a:gd name="connsiteX16" fmla="*/ 860319 w 5962785"/>
-              <a:gd name="connsiteY16" fmla="*/ 5832753 h 6858000"/>
-              <a:gd name="connsiteX17" fmla="*/ 691686 w 5962785"/>
-              <a:gd name="connsiteY17" fmla="*/ 5533581 h 6858000"/>
-              <a:gd name="connsiteX18" fmla="*/ 610278 w 5962785"/>
-              <a:gd name="connsiteY18" fmla="*/ 5411029 h 6858000"/>
-              <a:gd name="connsiteX19" fmla="*/ 238123 w 5962785"/>
-              <a:gd name="connsiteY19" fmla="*/ 5046976 h 6858000"/>
-              <a:gd name="connsiteX20" fmla="*/ 592833 w 5962785"/>
-              <a:gd name="connsiteY20" fmla="*/ 5209177 h 6858000"/>
-              <a:gd name="connsiteX21" fmla="*/ 226494 w 5962785"/>
-              <a:gd name="connsiteY21" fmla="*/ 4855939 h 6858000"/>
-              <a:gd name="connsiteX22" fmla="*/ 49139 w 5962785"/>
-              <a:gd name="connsiteY22" fmla="*/ 4726177 h 6858000"/>
-              <a:gd name="connsiteX23" fmla="*/ 5527 w 5962785"/>
-              <a:gd name="connsiteY23" fmla="*/ 4650483 h 6858000"/>
-              <a:gd name="connsiteX24" fmla="*/ 84029 w 5962785"/>
-              <a:gd name="connsiteY24" fmla="*/ 4632460 h 6858000"/>
-              <a:gd name="connsiteX25" fmla="*/ 325347 w 5962785"/>
-              <a:gd name="connsiteY25" fmla="*/ 4661296 h 6858000"/>
-              <a:gd name="connsiteX26" fmla="*/ 25879 w 5962785"/>
-              <a:gd name="connsiteY26" fmla="*/ 4423401 h 6858000"/>
-              <a:gd name="connsiteX27" fmla="*/ 249753 w 5962785"/>
-              <a:gd name="connsiteY27" fmla="*/ 4459446 h 6858000"/>
-              <a:gd name="connsiteX28" fmla="*/ 313718 w 5962785"/>
-              <a:gd name="connsiteY28" fmla="*/ 4365729 h 6858000"/>
-              <a:gd name="connsiteX29" fmla="*/ 418386 w 5962785"/>
-              <a:gd name="connsiteY29" fmla="*/ 4214341 h 6858000"/>
-              <a:gd name="connsiteX30" fmla="*/ 491072 w 5962785"/>
-              <a:gd name="connsiteY30" fmla="*/ 4131438 h 6858000"/>
-              <a:gd name="connsiteX31" fmla="*/ 520147 w 5962785"/>
-              <a:gd name="connsiteY31" fmla="*/ 3864706 h 6858000"/>
-              <a:gd name="connsiteX32" fmla="*/ 459090 w 5962785"/>
-              <a:gd name="connsiteY32" fmla="*/ 3572743 h 6858000"/>
-              <a:gd name="connsiteX33" fmla="*/ 290458 w 5962785"/>
-              <a:gd name="connsiteY33" fmla="*/ 3424959 h 6858000"/>
-              <a:gd name="connsiteX34" fmla="*/ 339884 w 5962785"/>
-              <a:gd name="connsiteY34" fmla="*/ 3259153 h 6858000"/>
-              <a:gd name="connsiteX35" fmla="*/ 697501 w 5962785"/>
-              <a:gd name="connsiteY35" fmla="*/ 3360078 h 6858000"/>
-              <a:gd name="connsiteX36" fmla="*/ 165437 w 5962785"/>
-              <a:gd name="connsiteY36" fmla="*/ 2967190 h 6858000"/>
-              <a:gd name="connsiteX37" fmla="*/ 255568 w 5962785"/>
-              <a:gd name="connsiteY37" fmla="*/ 2949167 h 6858000"/>
-              <a:gd name="connsiteX38" fmla="*/ 578296 w 5962785"/>
-              <a:gd name="connsiteY38" fmla="*/ 2725691 h 6858000"/>
-              <a:gd name="connsiteX39" fmla="*/ 595740 w 5962785"/>
-              <a:gd name="connsiteY39" fmla="*/ 2714876 h 6858000"/>
-              <a:gd name="connsiteX40" fmla="*/ 650982 w 5962785"/>
-              <a:gd name="connsiteY40" fmla="*/ 2574301 h 6858000"/>
-              <a:gd name="connsiteX41" fmla="*/ 825429 w 5962785"/>
-              <a:gd name="connsiteY41" fmla="*/ 2552674 h 6858000"/>
-              <a:gd name="connsiteX42" fmla="*/ 970802 w 5962785"/>
-              <a:gd name="connsiteY42" fmla="*/ 2585115 h 6858000"/>
-              <a:gd name="connsiteX43" fmla="*/ 1127805 w 5962785"/>
-              <a:gd name="connsiteY43" fmla="*/ 2545465 h 6858000"/>
-              <a:gd name="connsiteX44" fmla="*/ 1267362 w 5962785"/>
-              <a:gd name="connsiteY44" fmla="*/ 2563488 h 6858000"/>
-              <a:gd name="connsiteX45" fmla="*/ 1386568 w 5962785"/>
-              <a:gd name="connsiteY45" fmla="*/ 2538257 h 6858000"/>
-              <a:gd name="connsiteX46" fmla="*/ 1270270 w 5962785"/>
-              <a:gd name="connsiteY46" fmla="*/ 2419309 h 6858000"/>
-              <a:gd name="connsiteX47" fmla="*/ 1107453 w 5962785"/>
-              <a:gd name="connsiteY47" fmla="*/ 2419309 h 6858000"/>
-              <a:gd name="connsiteX48" fmla="*/ 991154 w 5962785"/>
-              <a:gd name="connsiteY48" fmla="*/ 2343615 h 6858000"/>
-              <a:gd name="connsiteX49" fmla="*/ 880671 w 5962785"/>
-              <a:gd name="connsiteY49" fmla="*/ 2206645 h 6858000"/>
-              <a:gd name="connsiteX50" fmla="*/ 491072 w 5962785"/>
-              <a:gd name="connsiteY50" fmla="*/ 1986771 h 6858000"/>
-              <a:gd name="connsiteX51" fmla="*/ 421293 w 5962785"/>
-              <a:gd name="connsiteY51" fmla="*/ 1903868 h 6858000"/>
-              <a:gd name="connsiteX52" fmla="*/ 1531941 w 5962785"/>
-              <a:gd name="connsiteY52" fmla="*/ 2224667 h 6858000"/>
-              <a:gd name="connsiteX53" fmla="*/ 1188861 w 5962785"/>
-              <a:gd name="connsiteY53" fmla="*/ 2091301 h 6858000"/>
-              <a:gd name="connsiteX54" fmla="*/ 1421458 w 5962785"/>
-              <a:gd name="connsiteY54" fmla="*/ 2116532 h 6858000"/>
-              <a:gd name="connsiteX55" fmla="*/ 1549386 w 5962785"/>
-              <a:gd name="connsiteY55" fmla="*/ 2026420 h 6858000"/>
-              <a:gd name="connsiteX56" fmla="*/ 1549386 w 5962785"/>
-              <a:gd name="connsiteY56" fmla="*/ 1997584 h 6858000"/>
-              <a:gd name="connsiteX57" fmla="*/ 1453440 w 5962785"/>
-              <a:gd name="connsiteY57" fmla="*/ 1914682 h 6858000"/>
-              <a:gd name="connsiteX58" fmla="*/ 1398198 w 5962785"/>
-              <a:gd name="connsiteY58" fmla="*/ 1860614 h 6858000"/>
-              <a:gd name="connsiteX59" fmla="*/ 1247011 w 5962785"/>
-              <a:gd name="connsiteY59" fmla="*/ 1665972 h 6858000"/>
-              <a:gd name="connsiteX60" fmla="*/ 1354586 w 5962785"/>
-              <a:gd name="connsiteY60" fmla="*/ 1644345 h 6858000"/>
-              <a:gd name="connsiteX61" fmla="*/ 1395290 w 5962785"/>
-              <a:gd name="connsiteY61" fmla="*/ 1604696 h 6858000"/>
-              <a:gd name="connsiteX62" fmla="*/ 1366216 w 5962785"/>
-              <a:gd name="connsiteY62" fmla="*/ 1547025 h 6858000"/>
-              <a:gd name="connsiteX63" fmla="*/ 1031858 w 5962785"/>
-              <a:gd name="connsiteY63" fmla="*/ 1370405 h 6858000"/>
-              <a:gd name="connsiteX64" fmla="*/ 1005692 w 5962785"/>
-              <a:gd name="connsiteY64" fmla="*/ 1233435 h 6858000"/>
-              <a:gd name="connsiteX65" fmla="*/ 1069655 w 5962785"/>
-              <a:gd name="connsiteY65" fmla="*/ 1211808 h 6858000"/>
-              <a:gd name="connsiteX66" fmla="*/ 1142342 w 5962785"/>
-              <a:gd name="connsiteY66" fmla="*/ 1222621 h 6858000"/>
-              <a:gd name="connsiteX67" fmla="*/ 1084193 w 5962785"/>
-              <a:gd name="connsiteY67" fmla="*/ 1114487 h 6858000"/>
-              <a:gd name="connsiteX68" fmla="*/ 848689 w 5962785"/>
-              <a:gd name="connsiteY68" fmla="*/ 1006353 h 6858000"/>
-              <a:gd name="connsiteX69" fmla="*/ 805077 w 5962785"/>
-              <a:gd name="connsiteY69" fmla="*/ 948681 h 6858000"/>
-              <a:gd name="connsiteX70" fmla="*/ 863226 w 5962785"/>
-              <a:gd name="connsiteY70" fmla="*/ 919844 h 6858000"/>
-              <a:gd name="connsiteX71" fmla="*/ 906838 w 5962785"/>
-              <a:gd name="connsiteY71" fmla="*/ 909031 h 6858000"/>
-              <a:gd name="connsiteX72" fmla="*/ 5527 w 5962785"/>
-              <a:gd name="connsiteY72" fmla="*/ 458471 h 6858000"/>
-              <a:gd name="connsiteX73" fmla="*/ 209049 w 5962785"/>
-              <a:gd name="connsiteY73" fmla="*/ 454867 h 6858000"/>
-              <a:gd name="connsiteX74" fmla="*/ 409664 w 5962785"/>
-              <a:gd name="connsiteY74" fmla="*/ 526956 h 6858000"/>
-              <a:gd name="connsiteX75" fmla="*/ 621908 w 5962785"/>
-              <a:gd name="connsiteY75" fmla="*/ 516143 h 6858000"/>
-              <a:gd name="connsiteX76" fmla="*/ 822522 w 5962785"/>
-              <a:gd name="connsiteY76" fmla="*/ 552188 h 6858000"/>
-              <a:gd name="connsiteX77" fmla="*/ 996969 w 5962785"/>
-              <a:gd name="connsiteY77" fmla="*/ 552188 h 6858000"/>
-              <a:gd name="connsiteX78" fmla="*/ 834151 w 5962785"/>
-              <a:gd name="connsiteY78" fmla="*/ 498120 h 6858000"/>
-              <a:gd name="connsiteX79" fmla="*/ 773095 w 5962785"/>
-              <a:gd name="connsiteY79" fmla="*/ 408008 h 6858000"/>
-              <a:gd name="connsiteX80" fmla="*/ 793447 w 5962785"/>
-              <a:gd name="connsiteY80" fmla="*/ 325106 h 6858000"/>
-              <a:gd name="connsiteX81" fmla="*/ 860319 w 5962785"/>
-              <a:gd name="connsiteY81" fmla="*/ 350336 h 6858000"/>
-              <a:gd name="connsiteX82" fmla="*/ 938820 w 5962785"/>
-              <a:gd name="connsiteY82" fmla="*/ 444054 h 6858000"/>
-              <a:gd name="connsiteX83" fmla="*/ 956265 w 5962785"/>
-              <a:gd name="connsiteY83" fmla="*/ 386381 h 6858000"/>
-              <a:gd name="connsiteX84" fmla="*/ 1002784 w 5962785"/>
-              <a:gd name="connsiteY84" fmla="*/ 343127 h 6858000"/>
-              <a:gd name="connsiteX85" fmla="*/ 1270270 w 5962785"/>
-              <a:gd name="connsiteY85" fmla="*/ 364755 h 6858000"/>
-              <a:gd name="connsiteX86" fmla="*/ 1092915 w 5962785"/>
-              <a:gd name="connsiteY86" fmla="*/ 180926 h 6858000"/>
-              <a:gd name="connsiteX87" fmla="*/ 979525 w 5962785"/>
-              <a:gd name="connsiteY87" fmla="*/ 152090 h 6858000"/>
-              <a:gd name="connsiteX88" fmla="*/ 953358 w 5962785"/>
-              <a:gd name="connsiteY88" fmla="*/ 76396 h 6858000"/>
-              <a:gd name="connsiteX89" fmla="*/ 1005692 w 5962785"/>
-              <a:gd name="connsiteY89" fmla="*/ 58373 h 6858000"/>
-              <a:gd name="connsiteX90" fmla="*/ 1267362 w 5962785"/>
-              <a:gd name="connsiteY90" fmla="*/ 123254 h 6858000"/>
-              <a:gd name="connsiteX91" fmla="*/ 1310975 w 5962785"/>
-              <a:gd name="connsiteY91" fmla="*/ 98023 h 6858000"/>
-              <a:gd name="connsiteX92" fmla="*/ 1159787 w 5962785"/>
-              <a:gd name="connsiteY92" fmla="*/ 43505 h 6858000"/>
+              <a:gd name="T0" fmla="*/ 491 w 491"/>
+              <a:gd name="T1" fmla="*/ 2247 h 2732"/>
+              <a:gd name="T2" fmla="*/ 0 w 491"/>
+              <a:gd name="T3" fmla="*/ 2732 h 2732"/>
+              <a:gd name="T4" fmla="*/ 0 w 491"/>
+              <a:gd name="T5" fmla="*/ 486 h 2732"/>
+              <a:gd name="T6" fmla="*/ 491 w 491"/>
+              <a:gd name="T7" fmla="*/ 0 h 2732"/>
+              <a:gd name="T8" fmla="*/ 491 w 491"/>
+              <a:gd name="T9" fmla="*/ 2247 h 2732"/>
             </a:gdLst>
             <a:ahLst/>
             <a:cxnLst>
               <a:cxn ang="0">
-                <a:pos x="connsiteX0" y="connsiteY0"/>
+                <a:pos x="T0" y="T1"/>
               </a:cxn>
               <a:cxn ang="0">
-                <a:pos x="connsiteX1" y="connsiteY1"/>
+                <a:pos x="T2" y="T3"/>
               </a:cxn>
               <a:cxn ang="0">
-                <a:pos x="connsiteX2" y="connsiteY2"/>
+                <a:pos x="T4" y="T5"/>
               </a:cxn>
               <a:cxn ang="0">
-                <a:pos x="connsiteX3" y="connsiteY3"/>
+                <a:pos x="T6" y="T7"/>
               </a:cxn>
               <a:cxn ang="0">
-                <a:pos x="connsiteX4" y="connsiteY4"/>
-              </a:cxn>
-              <a:cxn ang="0">
-                <a:pos x="connsiteX5" y="connsiteY5"/>
-              </a:cxn>
-              <a:cxn ang="0">
-                <a:pos x="connsiteX6" y="connsiteY6"/>
-              </a:cxn>
-              <a:cxn ang="0">
-                <a:pos x="connsiteX7" y="connsiteY7"/>
-              </a:cxn>
-              <a:cxn ang="0">
-                <a:pos x="connsiteX8" y="connsiteY8"/>
-              </a:cxn>
-              <a:cxn ang="0">
-                <a:pos x="connsiteX9" y="connsiteY9"/>
-              </a:cxn>
-              <a:cxn ang="0">
-                <a:pos x="connsiteX10" y="connsiteY10"/>
-              </a:cxn>
-              <a:cxn ang="0">
-                <a:pos x="connsiteX11" y="connsiteY11"/>
-              </a:cxn>
-              <a:cxn ang="0">
-                <a:pos x="connsiteX12" y="connsiteY12"/>
-              </a:cxn>
-              <a:cxn ang="0">
-                <a:pos x="connsiteX13" y="connsiteY13"/>
-              </a:cxn>
-              <a:cxn ang="0">
-                <a:pos x="connsiteX14" y="connsiteY14"/>
-              </a:cxn>
-              <a:cxn ang="0">
-                <a:pos x="connsiteX15" y="connsiteY15"/>
-              </a:cxn>
-              <a:cxn ang="0">
-                <a:pos x="connsiteX16" y="connsiteY16"/>
-              </a:cxn>
-              <a:cxn ang="0">
-                <a:pos x="connsiteX17" y="connsiteY17"/>
-              </a:cxn>
-              <a:cxn ang="0">
-                <a:pos x="connsiteX18" y="connsiteY18"/>
-              </a:cxn>
-              <a:cxn ang="0">
-                <a:pos x="connsiteX19" y="connsiteY19"/>
-              </a:cxn>
-              <a:cxn ang="0">
-                <a:pos x="connsiteX20" y="connsiteY20"/>
-              </a:cxn>
-              <a:cxn ang="0">
-                <a:pos x="connsiteX21" y="connsiteY21"/>
-              </a:cxn>
-              <a:cxn ang="0">
-                <a:pos x="connsiteX22" y="connsiteY22"/>
-              </a:cxn>
-              <a:cxn ang="0">
-                <a:pos x="connsiteX23" y="connsiteY23"/>
-              </a:cxn>
-              <a:cxn ang="0">
-                <a:pos x="connsiteX24" y="connsiteY24"/>
-              </a:cxn>
-              <a:cxn ang="0">
-                <a:pos x="connsiteX25" y="connsiteY25"/>
-              </a:cxn>
-              <a:cxn ang="0">
-                <a:pos x="connsiteX26" y="connsiteY26"/>
-              </a:cxn>
-              <a:cxn ang="0">
-                <a:pos x="connsiteX27" y="connsiteY27"/>
-              </a:cxn>
-              <a:cxn ang="0">
-                <a:pos x="connsiteX28" y="connsiteY28"/>
-              </a:cxn>
-              <a:cxn ang="0">
-                <a:pos x="connsiteX29" y="connsiteY29"/>
-              </a:cxn>
-              <a:cxn ang="0">
-                <a:pos x="connsiteX30" y="connsiteY30"/>
-              </a:cxn>
-              <a:cxn ang="0">
-                <a:pos x="connsiteX31" y="connsiteY31"/>
-              </a:cxn>
-              <a:cxn ang="0">
-                <a:pos x="connsiteX32" y="connsiteY32"/>
-              </a:cxn>
-              <a:cxn ang="0">
-                <a:pos x="connsiteX33" y="connsiteY33"/>
-              </a:cxn>
-              <a:cxn ang="0">
-                <a:pos x="connsiteX34" y="connsiteY34"/>
-              </a:cxn>
-              <a:cxn ang="0">
-                <a:pos x="connsiteX35" y="connsiteY35"/>
-              </a:cxn>
-              <a:cxn ang="0">
-                <a:pos x="connsiteX36" y="connsiteY36"/>
-              </a:cxn>
-              <a:cxn ang="0">
-                <a:pos x="connsiteX37" y="connsiteY37"/>
-              </a:cxn>
-              <a:cxn ang="0">
-                <a:pos x="connsiteX38" y="connsiteY38"/>
-              </a:cxn>
-              <a:cxn ang="0">
-                <a:pos x="connsiteX39" y="connsiteY39"/>
-              </a:cxn>
-              <a:cxn ang="0">
-                <a:pos x="connsiteX40" y="connsiteY40"/>
-              </a:cxn>
-              <a:cxn ang="0">
-                <a:pos x="connsiteX41" y="connsiteY41"/>
-              </a:cxn>
-              <a:cxn ang="0">
-                <a:pos x="connsiteX42" y="connsiteY42"/>
-              </a:cxn>
-              <a:cxn ang="0">
-                <a:pos x="connsiteX43" y="connsiteY43"/>
-              </a:cxn>
-              <a:cxn ang="0">
-                <a:pos x="connsiteX44" y="connsiteY44"/>
-              </a:cxn>
-              <a:cxn ang="0">
-                <a:pos x="connsiteX45" y="connsiteY45"/>
-              </a:cxn>
-              <a:cxn ang="0">
-                <a:pos x="connsiteX46" y="connsiteY46"/>
-              </a:cxn>
-              <a:cxn ang="0">
-                <a:pos x="connsiteX47" y="connsiteY47"/>
-              </a:cxn>
-              <a:cxn ang="0">
-                <a:pos x="connsiteX48" y="connsiteY48"/>
-              </a:cxn>
-              <a:cxn ang="0">
-                <a:pos x="connsiteX49" y="connsiteY49"/>
-              </a:cxn>
-              <a:cxn ang="0">
-                <a:pos x="connsiteX50" y="connsiteY50"/>
-              </a:cxn>
-              <a:cxn ang="0">
-                <a:pos x="connsiteX51" y="connsiteY51"/>
-              </a:cxn>
-              <a:cxn ang="0">
-                <a:pos x="connsiteX52" y="connsiteY52"/>
-              </a:cxn>
-              <a:cxn ang="0">
-                <a:pos x="connsiteX53" y="connsiteY53"/>
-              </a:cxn>
-              <a:cxn ang="0">
-                <a:pos x="connsiteX54" y="connsiteY54"/>
-              </a:cxn>
-              <a:cxn ang="0">
-                <a:pos x="connsiteX55" y="connsiteY55"/>
-              </a:cxn>
-              <a:cxn ang="0">
-                <a:pos x="connsiteX56" y="connsiteY56"/>
-              </a:cxn>
-              <a:cxn ang="0">
-                <a:pos x="connsiteX57" y="connsiteY57"/>
-              </a:cxn>
-              <a:cxn ang="0">
-                <a:pos x="connsiteX58" y="connsiteY58"/>
-              </a:cxn>
-              <a:cxn ang="0">
-                <a:pos x="connsiteX59" y="connsiteY59"/>
-              </a:cxn>
-              <a:cxn ang="0">
-                <a:pos x="connsiteX60" y="connsiteY60"/>
-              </a:cxn>
-              <a:cxn ang="0">
-                <a:pos x="connsiteX61" y="connsiteY61"/>
-              </a:cxn>
-              <a:cxn ang="0">
-                <a:pos x="connsiteX62" y="connsiteY62"/>
-              </a:cxn>
-              <a:cxn ang="0">
-                <a:pos x="connsiteX63" y="connsiteY63"/>
-              </a:cxn>
-              <a:cxn ang="0">
-                <a:pos x="connsiteX64" y="connsiteY64"/>
-              </a:cxn>
-              <a:cxn ang="0">
-                <a:pos x="connsiteX65" y="connsiteY65"/>
-              </a:cxn>
-              <a:cxn ang="0">
-                <a:pos x="connsiteX66" y="connsiteY66"/>
-              </a:cxn>
-              <a:cxn ang="0">
-                <a:pos x="connsiteX67" y="connsiteY67"/>
-              </a:cxn>
-              <a:cxn ang="0">
-                <a:pos x="connsiteX68" y="connsiteY68"/>
-              </a:cxn>
-              <a:cxn ang="0">
-                <a:pos x="connsiteX69" y="connsiteY69"/>
-              </a:cxn>
-              <a:cxn ang="0">
-                <a:pos x="connsiteX70" y="connsiteY70"/>
-              </a:cxn>
-              <a:cxn ang="0">
-                <a:pos x="connsiteX71" y="connsiteY71"/>
-              </a:cxn>
-              <a:cxn ang="0">
-                <a:pos x="connsiteX72" y="connsiteY72"/>
-              </a:cxn>
-              <a:cxn ang="0">
-                <a:pos x="connsiteX73" y="connsiteY73"/>
-              </a:cxn>
-              <a:cxn ang="0">
-                <a:pos x="connsiteX74" y="connsiteY74"/>
-              </a:cxn>
-              <a:cxn ang="0">
-                <a:pos x="connsiteX75" y="connsiteY75"/>
-              </a:cxn>
-              <a:cxn ang="0">
-                <a:pos x="connsiteX76" y="connsiteY76"/>
-              </a:cxn>
-              <a:cxn ang="0">
-                <a:pos x="connsiteX77" y="connsiteY77"/>
-              </a:cxn>
-              <a:cxn ang="0">
-                <a:pos x="connsiteX78" y="connsiteY78"/>
-              </a:cxn>
-              <a:cxn ang="0">
-                <a:pos x="connsiteX79" y="connsiteY79"/>
-              </a:cxn>
-              <a:cxn ang="0">
-                <a:pos x="connsiteX80" y="connsiteY80"/>
-              </a:cxn>
-              <a:cxn ang="0">
-                <a:pos x="connsiteX81" y="connsiteY81"/>
-              </a:cxn>
-              <a:cxn ang="0">
-                <a:pos x="connsiteX82" y="connsiteY82"/>
-              </a:cxn>
-              <a:cxn ang="0">
-                <a:pos x="connsiteX83" y="connsiteY83"/>
-              </a:cxn>
-              <a:cxn ang="0">
-                <a:pos x="connsiteX84" y="connsiteY84"/>
-              </a:cxn>
-              <a:cxn ang="0">
-                <a:pos x="connsiteX85" y="connsiteY85"/>
-              </a:cxn>
-              <a:cxn ang="0">
-                <a:pos x="connsiteX86" y="connsiteY86"/>
-              </a:cxn>
-              <a:cxn ang="0">
-                <a:pos x="connsiteX87" y="connsiteY87"/>
-              </a:cxn>
-              <a:cxn ang="0">
-                <a:pos x="connsiteX88" y="connsiteY88"/>
-              </a:cxn>
-              <a:cxn ang="0">
-                <a:pos x="connsiteX89" y="connsiteY89"/>
-              </a:cxn>
-              <a:cxn ang="0">
-                <a:pos x="connsiteX90" y="connsiteY90"/>
-              </a:cxn>
-              <a:cxn ang="0">
-                <a:pos x="connsiteX91" y="connsiteY91"/>
-              </a:cxn>
-              <a:cxn ang="0">
-                <a:pos x="connsiteX92" y="connsiteY92"/>
+                <a:pos x="T8" y="T9"/>
               </a:cxn>
             </a:cxnLst>
-            <a:rect l="l" t="t" r="r" b="b"/>
+            <a:rect l="0" t="0" r="r" b="b"/>
             <a:pathLst>
-              <a:path w="5962785" h="6858000">
+              <a:path w="491" h="2732">
                 <a:moveTo>
-                  <a:pt x="1044839" y="0"/>
+                  <a:pt x="491" y="2247"/>
                 </a:moveTo>
                 <a:lnTo>
-                  <a:pt x="5962785" y="0"/>
+                  <a:pt x="0" y="2732"/>
                 </a:lnTo>
                 <a:lnTo>
-                  <a:pt x="5962785" y="6858000"/>
+                  <a:pt x="0" y="486"/>
                 </a:lnTo>
                 <a:lnTo>
-                  <a:pt x="1469886" y="6858000"/>
+                  <a:pt x="491" y="0"/>
                 </a:lnTo>
                 <a:lnTo>
-                  <a:pt x="1416006" y="6823984"/>
+                  <a:pt x="491" y="2247"/>
                 </a:lnTo>
-                <a:cubicBezTo>
-                  <a:pt x="1356767" y="6787940"/>
-                  <a:pt x="1296437" y="6755500"/>
-                  <a:pt x="1232473" y="6733873"/>
-                </a:cubicBezTo>
-                <a:cubicBezTo>
-                  <a:pt x="1145250" y="6705037"/>
-                  <a:pt x="1060933" y="6654575"/>
-                  <a:pt x="1075471" y="6503186"/>
-                </a:cubicBezTo>
-                <a:cubicBezTo>
-                  <a:pt x="1078378" y="6459932"/>
-                  <a:pt x="1055118" y="6427493"/>
-                  <a:pt x="1020229" y="6438306"/>
-                </a:cubicBezTo>
-                <a:cubicBezTo>
-                  <a:pt x="953358" y="6459932"/>
-                  <a:pt x="921375" y="6398656"/>
-                  <a:pt x="883579" y="6351798"/>
-                </a:cubicBezTo>
-                <a:cubicBezTo>
-                  <a:pt x="816707" y="6268895"/>
-                  <a:pt x="752743" y="6182387"/>
-                  <a:pt x="645167" y="6167969"/>
-                </a:cubicBezTo>
-                <a:cubicBezTo>
-                  <a:pt x="665519" y="6103088"/>
-                  <a:pt x="700408" y="6110298"/>
-                  <a:pt x="732391" y="6124716"/>
-                </a:cubicBezTo>
-                <a:cubicBezTo>
-                  <a:pt x="816707" y="6160761"/>
-                  <a:pt x="901023" y="6200410"/>
-                  <a:pt x="985339" y="6236455"/>
-                </a:cubicBezTo>
-                <a:cubicBezTo>
-                  <a:pt x="1040581" y="6258081"/>
-                  <a:pt x="1095822" y="6290522"/>
-                  <a:pt x="1168509" y="6265291"/>
-                </a:cubicBezTo>
-                <a:cubicBezTo>
-                  <a:pt x="1104545" y="6135530"/>
-                  <a:pt x="996969" y="6110298"/>
-                  <a:pt x="909746" y="6070649"/>
-                </a:cubicBezTo>
-                <a:cubicBezTo>
-                  <a:pt x="802169" y="6020185"/>
-                  <a:pt x="738206" y="5926470"/>
-                  <a:pt x="659704" y="5818335"/>
-                </a:cubicBezTo>
-                <a:cubicBezTo>
-                  <a:pt x="738206" y="5789500"/>
-                  <a:pt x="787632" y="5868798"/>
-                  <a:pt x="851597" y="5865193"/>
-                </a:cubicBezTo>
-                <a:cubicBezTo>
-                  <a:pt x="854504" y="5854380"/>
-                  <a:pt x="860319" y="5832753"/>
-                  <a:pt x="860319" y="5832753"/>
-                </a:cubicBezTo>
-                <a:cubicBezTo>
-                  <a:pt x="755650" y="5775081"/>
-                  <a:pt x="709132" y="5666947"/>
-                  <a:pt x="691686" y="5533581"/>
-                </a:cubicBezTo>
-                <a:cubicBezTo>
-                  <a:pt x="685872" y="5465095"/>
-                  <a:pt x="648075" y="5443468"/>
-                  <a:pt x="610278" y="5411029"/>
-                </a:cubicBezTo>
-                <a:cubicBezTo>
-                  <a:pt x="482350" y="5299289"/>
-                  <a:pt x="345700" y="5198364"/>
-                  <a:pt x="238123" y="5046976"/>
-                </a:cubicBezTo>
-                <a:cubicBezTo>
-                  <a:pt x="363144" y="5064998"/>
-                  <a:pt x="461997" y="5165924"/>
-                  <a:pt x="592833" y="5209177"/>
-                </a:cubicBezTo>
-                <a:cubicBezTo>
-                  <a:pt x="488165" y="5043371"/>
-                  <a:pt x="351514" y="4956864"/>
-                  <a:pt x="226494" y="4855939"/>
-                </a:cubicBezTo>
-                <a:cubicBezTo>
-                  <a:pt x="168344" y="4809081"/>
-                  <a:pt x="116011" y="4751408"/>
-                  <a:pt x="49139" y="4726177"/>
-                </a:cubicBezTo>
-                <a:cubicBezTo>
-                  <a:pt x="25879" y="4718968"/>
-                  <a:pt x="-14825" y="4700947"/>
-                  <a:pt x="5527" y="4650483"/>
-                </a:cubicBezTo>
-                <a:cubicBezTo>
-                  <a:pt x="22972" y="4607230"/>
-                  <a:pt x="54954" y="4621648"/>
-                  <a:pt x="84029" y="4632460"/>
-                </a:cubicBezTo>
-                <a:cubicBezTo>
-                  <a:pt x="153807" y="4661296"/>
-                  <a:pt x="229401" y="4661296"/>
-                  <a:pt x="325347" y="4661296"/>
-                </a:cubicBezTo>
-                <a:cubicBezTo>
-                  <a:pt x="243939" y="4524326"/>
-                  <a:pt x="95658" y="4567580"/>
-                  <a:pt x="25879" y="4423401"/>
-                </a:cubicBezTo>
-                <a:cubicBezTo>
-                  <a:pt x="113103" y="4398170"/>
-                  <a:pt x="179975" y="4448632"/>
-                  <a:pt x="249753" y="4459446"/>
-                </a:cubicBezTo>
-                <a:cubicBezTo>
-                  <a:pt x="313718" y="4470259"/>
-                  <a:pt x="328254" y="4445028"/>
-                  <a:pt x="313718" y="4365729"/>
-                </a:cubicBezTo>
-                <a:cubicBezTo>
-                  <a:pt x="290458" y="4243177"/>
-                  <a:pt x="325347" y="4181900"/>
-                  <a:pt x="418386" y="4214341"/>
-                </a:cubicBezTo>
-                <a:cubicBezTo>
-                  <a:pt x="505609" y="4246781"/>
-                  <a:pt x="514332" y="4199922"/>
-                  <a:pt x="491072" y="4131438"/>
-                </a:cubicBezTo>
-                <a:cubicBezTo>
-                  <a:pt x="456183" y="4030512"/>
-                  <a:pt x="493979" y="3951214"/>
-                  <a:pt x="520147" y="3864706"/>
-                </a:cubicBezTo>
-                <a:cubicBezTo>
-                  <a:pt x="560851" y="3734945"/>
-                  <a:pt x="543407" y="3670064"/>
-                  <a:pt x="459090" y="3572743"/>
-                </a:cubicBezTo>
-                <a:cubicBezTo>
-                  <a:pt x="409664" y="3518676"/>
-                  <a:pt x="360236" y="3471818"/>
-                  <a:pt x="290458" y="3424959"/>
-                </a:cubicBezTo>
-                <a:cubicBezTo>
-                  <a:pt x="450368" y="3399728"/>
-                  <a:pt x="284643" y="3313221"/>
-                  <a:pt x="339884" y="3259153"/>
-                </a:cubicBezTo>
-                <a:cubicBezTo>
-                  <a:pt x="453275" y="3237527"/>
-                  <a:pt x="543407" y="3410542"/>
-                  <a:pt x="697501" y="3360078"/>
-                </a:cubicBezTo>
-                <a:cubicBezTo>
-                  <a:pt x="511425" y="3212294"/>
-                  <a:pt x="302087" y="3165436"/>
-                  <a:pt x="165437" y="2967190"/>
-                </a:cubicBezTo>
-                <a:cubicBezTo>
-                  <a:pt x="197419" y="2923937"/>
-                  <a:pt x="229401" y="2967190"/>
-                  <a:pt x="255568" y="2949167"/>
-                </a:cubicBezTo>
-                <a:cubicBezTo>
-                  <a:pt x="255568" y="2938354"/>
-                  <a:pt x="560851" y="3006840"/>
-                  <a:pt x="578296" y="2725691"/>
-                </a:cubicBezTo>
-                <a:cubicBezTo>
-                  <a:pt x="584111" y="2725691"/>
-                  <a:pt x="589926" y="2725691"/>
-                  <a:pt x="595740" y="2714876"/>
-                </a:cubicBezTo>
-                <a:cubicBezTo>
-                  <a:pt x="627722" y="2675228"/>
-                  <a:pt x="598648" y="2581510"/>
-                  <a:pt x="650982" y="2574301"/>
-                </a:cubicBezTo>
-                <a:cubicBezTo>
-                  <a:pt x="709132" y="2567092"/>
-                  <a:pt x="764373" y="2534653"/>
-                  <a:pt x="825429" y="2552674"/>
-                </a:cubicBezTo>
-                <a:cubicBezTo>
-                  <a:pt x="871949" y="2567092"/>
-                  <a:pt x="921375" y="2585115"/>
-                  <a:pt x="970802" y="2585115"/>
-                </a:cubicBezTo>
-                <a:cubicBezTo>
-                  <a:pt x="1023136" y="2585115"/>
-                  <a:pt x="1095822" y="2707668"/>
-                  <a:pt x="1127805" y="2545465"/>
-                </a:cubicBezTo>
-                <a:cubicBezTo>
-                  <a:pt x="1127805" y="2538257"/>
-                  <a:pt x="1217936" y="2556280"/>
-                  <a:pt x="1267362" y="2563488"/>
-                </a:cubicBezTo>
-                <a:cubicBezTo>
-                  <a:pt x="1308067" y="2570698"/>
-                  <a:pt x="1357494" y="2603137"/>
-                  <a:pt x="1386568" y="2538257"/>
-                </a:cubicBezTo>
-                <a:cubicBezTo>
-                  <a:pt x="1401105" y="2498607"/>
-                  <a:pt x="1331326" y="2426518"/>
-                  <a:pt x="1270270" y="2419309"/>
-                </a:cubicBezTo>
-                <a:cubicBezTo>
-                  <a:pt x="1215029" y="2412101"/>
-                  <a:pt x="1159787" y="2404892"/>
-                  <a:pt x="1107453" y="2419309"/>
-                </a:cubicBezTo>
-                <a:cubicBezTo>
-                  <a:pt x="1043489" y="2437331"/>
-                  <a:pt x="1008599" y="2408495"/>
-                  <a:pt x="991154" y="2343615"/>
-                </a:cubicBezTo>
-                <a:cubicBezTo>
-                  <a:pt x="970802" y="2275131"/>
-                  <a:pt x="933005" y="2239085"/>
-                  <a:pt x="880671" y="2206645"/>
-                </a:cubicBezTo>
-                <a:cubicBezTo>
-                  <a:pt x="752743" y="2127346"/>
-                  <a:pt x="630630" y="2033629"/>
-                  <a:pt x="491072" y="1986771"/>
-                </a:cubicBezTo>
-                <a:cubicBezTo>
-                  <a:pt x="464905" y="1979562"/>
-                  <a:pt x="432923" y="1965145"/>
-                  <a:pt x="421293" y="1903868"/>
-                </a:cubicBezTo>
-                <a:cubicBezTo>
-                  <a:pt x="799262" y="1997584"/>
-                  <a:pt x="1142342" y="2239085"/>
-                  <a:pt x="1531941" y="2224667"/>
-                </a:cubicBezTo>
-                <a:cubicBezTo>
-                  <a:pt x="1427272" y="2148974"/>
-                  <a:pt x="1302252" y="2145369"/>
-                  <a:pt x="1188861" y="2091301"/>
-                </a:cubicBezTo>
-                <a:cubicBezTo>
-                  <a:pt x="1270270" y="2051652"/>
-                  <a:pt x="1345864" y="2094906"/>
-                  <a:pt x="1421458" y="2116532"/>
-                </a:cubicBezTo>
-                <a:cubicBezTo>
-                  <a:pt x="1485422" y="2134554"/>
-                  <a:pt x="1543571" y="2138160"/>
-                  <a:pt x="1549386" y="2026420"/>
-                </a:cubicBezTo>
-                <a:cubicBezTo>
-                  <a:pt x="1549386" y="2015607"/>
-                  <a:pt x="1549386" y="2008398"/>
-                  <a:pt x="1549386" y="1997584"/>
-                </a:cubicBezTo>
-                <a:cubicBezTo>
-                  <a:pt x="1526126" y="1950727"/>
-                  <a:pt x="1494144" y="1929099"/>
-                  <a:pt x="1453440" y="1914682"/>
-                </a:cubicBezTo>
-                <a:cubicBezTo>
-                  <a:pt x="1430180" y="1907473"/>
-                  <a:pt x="1398198" y="1893056"/>
-                  <a:pt x="1398198" y="1860614"/>
-                </a:cubicBezTo>
-                <a:cubicBezTo>
-                  <a:pt x="1401105" y="1738063"/>
-                  <a:pt x="1322604" y="1702018"/>
-                  <a:pt x="1247011" y="1665972"/>
-                </a:cubicBezTo>
-                <a:cubicBezTo>
-                  <a:pt x="1287715" y="1604696"/>
-                  <a:pt x="1322604" y="1647950"/>
-                  <a:pt x="1354586" y="1644345"/>
-                </a:cubicBezTo>
-                <a:cubicBezTo>
-                  <a:pt x="1374939" y="1640741"/>
-                  <a:pt x="1395290" y="1637138"/>
-                  <a:pt x="1395290" y="1604696"/>
-                </a:cubicBezTo>
-                <a:cubicBezTo>
-                  <a:pt x="1395290" y="1579465"/>
-                  <a:pt x="1386568" y="1547025"/>
-                  <a:pt x="1366216" y="1547025"/>
-                </a:cubicBezTo>
-                <a:cubicBezTo>
-                  <a:pt x="1238288" y="1543420"/>
-                  <a:pt x="1165601" y="1370405"/>
-                  <a:pt x="1031858" y="1370405"/>
-                </a:cubicBezTo>
-                <a:cubicBezTo>
-                  <a:pt x="950450" y="1370405"/>
-                  <a:pt x="1072563" y="1273083"/>
-                  <a:pt x="1005692" y="1233435"/>
-                </a:cubicBezTo>
-                <a:cubicBezTo>
-                  <a:pt x="991154" y="1222621"/>
-                  <a:pt x="1046396" y="1208203"/>
-                  <a:pt x="1069655" y="1211808"/>
-                </a:cubicBezTo>
-                <a:cubicBezTo>
-                  <a:pt x="1092915" y="1215412"/>
-                  <a:pt x="1113268" y="1240644"/>
-                  <a:pt x="1142342" y="1222621"/>
-                </a:cubicBezTo>
-                <a:cubicBezTo>
-                  <a:pt x="1156879" y="1157741"/>
-                  <a:pt x="1119082" y="1132510"/>
-                  <a:pt x="1084193" y="1114487"/>
-                </a:cubicBezTo>
-                <a:cubicBezTo>
-                  <a:pt x="1008599" y="1071234"/>
-                  <a:pt x="933005" y="1020771"/>
-                  <a:pt x="848689" y="1006353"/>
-                </a:cubicBezTo>
-                <a:cubicBezTo>
-                  <a:pt x="819615" y="1002748"/>
-                  <a:pt x="802169" y="984726"/>
-                  <a:pt x="805077" y="948681"/>
-                </a:cubicBezTo>
-                <a:cubicBezTo>
-                  <a:pt x="810892" y="901822"/>
-                  <a:pt x="839967" y="916240"/>
-                  <a:pt x="863226" y="919844"/>
-                </a:cubicBezTo>
-                <a:cubicBezTo>
-                  <a:pt x="877764" y="923450"/>
-                  <a:pt x="892301" y="934263"/>
-                  <a:pt x="906838" y="909031"/>
-                </a:cubicBezTo>
-                <a:cubicBezTo>
-                  <a:pt x="566666" y="653113"/>
-                  <a:pt x="386404" y="667532"/>
-                  <a:pt x="5527" y="458471"/>
-                </a:cubicBezTo>
-                <a:cubicBezTo>
-                  <a:pt x="89843" y="418822"/>
-                  <a:pt x="150900" y="447658"/>
-                  <a:pt x="209049" y="454867"/>
-                </a:cubicBezTo>
-                <a:cubicBezTo>
-                  <a:pt x="354422" y="472890"/>
-                  <a:pt x="264290" y="505329"/>
-                  <a:pt x="409664" y="526956"/>
-                </a:cubicBezTo>
-                <a:cubicBezTo>
-                  <a:pt x="479443" y="537770"/>
-                  <a:pt x="543407" y="573815"/>
-                  <a:pt x="621908" y="516143"/>
-                </a:cubicBezTo>
-                <a:cubicBezTo>
-                  <a:pt x="674242" y="476494"/>
-                  <a:pt x="758558" y="519747"/>
-                  <a:pt x="822522" y="552188"/>
-                </a:cubicBezTo>
-                <a:cubicBezTo>
-                  <a:pt x="874856" y="581024"/>
-                  <a:pt x="927190" y="588232"/>
-                  <a:pt x="996969" y="552188"/>
-                </a:cubicBezTo>
-                <a:cubicBezTo>
-                  <a:pt x="933005" y="530562"/>
-                  <a:pt x="883579" y="512539"/>
-                  <a:pt x="834151" y="498120"/>
-                </a:cubicBezTo>
-                <a:cubicBezTo>
-                  <a:pt x="793447" y="487307"/>
-                  <a:pt x="770187" y="462076"/>
-                  <a:pt x="773095" y="408008"/>
-                </a:cubicBezTo>
-                <a:cubicBezTo>
-                  <a:pt x="773095" y="379172"/>
-                  <a:pt x="764373" y="339523"/>
-                  <a:pt x="793447" y="325106"/>
-                </a:cubicBezTo>
-                <a:cubicBezTo>
-                  <a:pt x="816707" y="310688"/>
-                  <a:pt x="848689" y="325106"/>
-                  <a:pt x="860319" y="350336"/>
-                </a:cubicBezTo>
-                <a:cubicBezTo>
-                  <a:pt x="874856" y="397195"/>
-                  <a:pt x="889393" y="440449"/>
-                  <a:pt x="938820" y="444054"/>
-                </a:cubicBezTo>
-                <a:cubicBezTo>
-                  <a:pt x="1005692" y="451262"/>
-                  <a:pt x="967894" y="422426"/>
-                  <a:pt x="956265" y="386381"/>
-                </a:cubicBezTo>
-                <a:cubicBezTo>
-                  <a:pt x="944635" y="346733"/>
-                  <a:pt x="979525" y="335919"/>
-                  <a:pt x="1002784" y="343127"/>
-                </a:cubicBezTo>
-                <a:cubicBezTo>
-                  <a:pt x="1090008" y="375569"/>
-                  <a:pt x="1180139" y="317897"/>
-                  <a:pt x="1270270" y="364755"/>
-                </a:cubicBezTo>
-                <a:cubicBezTo>
-                  <a:pt x="1247011" y="249411"/>
-                  <a:pt x="1197583" y="198949"/>
-                  <a:pt x="1092915" y="180926"/>
-                </a:cubicBezTo>
-                <a:cubicBezTo>
-                  <a:pt x="1055118" y="177322"/>
-                  <a:pt x="1014414" y="184530"/>
-                  <a:pt x="979525" y="152090"/>
-                </a:cubicBezTo>
-                <a:cubicBezTo>
-                  <a:pt x="959172" y="134068"/>
-                  <a:pt x="938820" y="112441"/>
-                  <a:pt x="953358" y="76396"/>
-                </a:cubicBezTo>
-                <a:cubicBezTo>
-                  <a:pt x="962080" y="51165"/>
-                  <a:pt x="985339" y="51165"/>
-                  <a:pt x="1005692" y="58373"/>
-                </a:cubicBezTo>
-                <a:cubicBezTo>
-                  <a:pt x="1090008" y="98023"/>
-                  <a:pt x="1180139" y="108837"/>
-                  <a:pt x="1267362" y="123254"/>
-                </a:cubicBezTo>
-                <a:cubicBezTo>
-                  <a:pt x="1281900" y="126859"/>
-                  <a:pt x="1296437" y="134068"/>
-                  <a:pt x="1310975" y="98023"/>
-                </a:cubicBezTo>
-                <a:cubicBezTo>
-                  <a:pt x="1260095" y="81803"/>
-                  <a:pt x="1209941" y="62879"/>
-                  <a:pt x="1159787" y="43505"/>
-                </a:cubicBezTo>
                 <a:close/>
               </a:path>
             </a:pathLst>
           </a:custGeom>
           <a:solidFill>
-            <a:schemeClr val="bg2">
-              <a:alpha val="50000"/>
+            <a:schemeClr val="accent1">
+              <a:lumMod val="50000"/>
             </a:schemeClr>
           </a:solidFill>
-          <a:ln w="32707" cap="flat">
+          <a:ln>
             <a:noFill/>
-            <a:prstDash val="solid"/>
-            <a:miter/>
           </a:ln>
         </p:spPr>
         <p:txBody>
-          <a:bodyPr wrap="square" rtlCol="0" anchor="ctr">
-            <a:noAutofit/>
+          <a:bodyPr vert="horz" wrap="square" lIns="91440" tIns="45720" rIns="91440" bIns="45720" numCol="1" anchor="t" anchorCtr="0" compatLnSpc="1">
+            <a:prstTxWarp prst="textNoShape">
+              <a:avLst/>
+            </a:prstTxWarp>
           </a:bodyPr>
           <a:lstStyle/>
           <a:p>
-            <a:pPr algn="ctr"/>
             <a:endParaRPr lang="en-US"/>
           </a:p>
         </p:txBody>
       </p:sp>
       <p:sp>
         <p:nvSpPr>
-          <p:cNvPr id="8" name="Titel 1">
-            <a:extLst>
-              <a:ext uri="{FF2B5EF4-FFF2-40B4-BE49-F238E27FC236}">
-                <a16:creationId xmlns:a16="http://schemas.microsoft.com/office/drawing/2014/main" id="{8B698AF6-A274-8FE6-E5AE-E171E55C2750}"/>
+          <p:cNvPr id="20" name="Freeform 6">
+            <a:extLst>
+              <a:ext uri="{FF2B5EF4-FFF2-40B4-BE49-F238E27FC236}">
+                <a16:creationId xmlns:a16="http://schemas.microsoft.com/office/drawing/2014/main" id="{9CBEA7DB-1BAC-4A39-817B-82928B7F8873}"/>
+              </a:ext>
+              <a:ext uri="{C183D7F6-B498-43B3-948B-1728B52AA6E4}">
+                <adec:decorative xmlns:adec="http://schemas.microsoft.com/office/drawing/2017/decorative" val="1"/>
+              </a:ext>
+            </a:extLst>
+          </p:cNvPr>
+          <p:cNvSpPr>
+            <a:spLocks noGrp="1" noRot="1" noChangeAspect="1" noMove="1" noResize="1" noEditPoints="1" noAdjustHandles="1" noChangeArrowheads="1" noChangeShapeType="1" noTextEdit="1"/>
+          </p:cNvSpPr>
+          <p:nvPr>
+            <p:extLst>
+              <p:ext uri="{386F3935-93C4-4BCD-93E2-E3B085C9AB24}">
+                <p16:designElem xmlns:p16="http://schemas.microsoft.com/office/powerpoint/2015/main" val="1"/>
+              </p:ext>
+            </p:extLst>
+          </p:nvPr>
+        </p:nvSpPr>
+        <p:spPr bwMode="auto">
+          <a:xfrm>
+            <a:off x="6544520" y="1311136"/>
+            <a:ext cx="687754" cy="3820236"/>
+          </a:xfrm>
+          <a:custGeom>
+            <a:avLst/>
+            <a:gdLst>
+              <a:gd name="T0" fmla="*/ 414 w 414"/>
+              <a:gd name="T1" fmla="*/ 2447 h 2447"/>
+              <a:gd name="T2" fmla="*/ 0 w 414"/>
+              <a:gd name="T3" fmla="*/ 2247 h 2447"/>
+              <a:gd name="T4" fmla="*/ 0 w 414"/>
+              <a:gd name="T5" fmla="*/ 0 h 2447"/>
+              <a:gd name="T6" fmla="*/ 414 w 414"/>
+              <a:gd name="T7" fmla="*/ 200 h 2447"/>
+              <a:gd name="T8" fmla="*/ 414 w 414"/>
+              <a:gd name="T9" fmla="*/ 2447 h 2447"/>
+            </a:gdLst>
+            <a:ahLst/>
+            <a:cxnLst>
+              <a:cxn ang="0">
+                <a:pos x="T0" y="T1"/>
+              </a:cxn>
+              <a:cxn ang="0">
+                <a:pos x="T2" y="T3"/>
+              </a:cxn>
+              <a:cxn ang="0">
+                <a:pos x="T4" y="T5"/>
+              </a:cxn>
+              <a:cxn ang="0">
+                <a:pos x="T6" y="T7"/>
+              </a:cxn>
+              <a:cxn ang="0">
+                <a:pos x="T8" y="T9"/>
+              </a:cxn>
+            </a:cxnLst>
+            <a:rect l="0" t="0" r="r" b="b"/>
+            <a:pathLst>
+              <a:path w="414" h="2447">
+                <a:moveTo>
+                  <a:pt x="414" y="2447"/>
+                </a:moveTo>
+                <a:lnTo>
+                  <a:pt x="0" y="2247"/>
+                </a:lnTo>
+                <a:lnTo>
+                  <a:pt x="0" y="0"/>
+                </a:lnTo>
+                <a:lnTo>
+                  <a:pt x="414" y="200"/>
+                </a:lnTo>
+                <a:lnTo>
+                  <a:pt x="414" y="2447"/>
+                </a:lnTo>
+                <a:close/>
+              </a:path>
+            </a:pathLst>
+          </a:custGeom>
+          <a:solidFill>
+            <a:schemeClr val="accent1">
+              <a:lumMod val="75000"/>
+            </a:schemeClr>
+          </a:solidFill>
+          <a:ln>
+            <a:noFill/>
+          </a:ln>
+        </p:spPr>
+        <p:txBody>
+          <a:bodyPr vert="horz" wrap="square" lIns="91440" tIns="45720" rIns="91440" bIns="45720" numCol="1" anchor="t" anchorCtr="0" compatLnSpc="1">
+            <a:prstTxWarp prst="textNoShape">
+              <a:avLst/>
+            </a:prstTxWarp>
+          </a:bodyPr>
+          <a:lstStyle/>
+          <a:p>
+            <a:endParaRPr lang="en-US"/>
+          </a:p>
+        </p:txBody>
+      </p:sp>
+      <p:sp>
+        <p:nvSpPr>
+          <p:cNvPr id="22" name="Freeform 7">
+            <a:extLst>
+              <a:ext uri="{FF2B5EF4-FFF2-40B4-BE49-F238E27FC236}">
+                <a16:creationId xmlns:a16="http://schemas.microsoft.com/office/drawing/2014/main" id="{EADF9EA0-3A2A-4F0A-9C86-FBAB53E9C6C3}"/>
+              </a:ext>
+              <a:ext uri="{C183D7F6-B498-43B3-948B-1728B52AA6E4}">
+                <adec:decorative xmlns:adec="http://schemas.microsoft.com/office/drawing/2017/decorative" val="1"/>
+              </a:ext>
+            </a:extLst>
+          </p:cNvPr>
+          <p:cNvSpPr>
+            <a:spLocks noGrp="1" noRot="1" noChangeAspect="1" noMove="1" noResize="1" noEditPoints="1" noAdjustHandles="1" noChangeArrowheads="1" noChangeShapeType="1" noTextEdit="1"/>
+          </p:cNvSpPr>
+          <p:nvPr>
+            <p:extLst>
+              <p:ext uri="{386F3935-93C4-4BCD-93E2-E3B085C9AB24}">
+                <p16:designElem xmlns:p16="http://schemas.microsoft.com/office/powerpoint/2015/main" val="1"/>
+              </p:ext>
+            </p:extLst>
+          </p:nvPr>
+        </p:nvSpPr>
+        <p:spPr bwMode="auto">
+          <a:xfrm>
+            <a:off x="6544520" y="1126737"/>
+            <a:ext cx="347200" cy="3699705"/>
+          </a:xfrm>
+          <a:custGeom>
+            <a:avLst/>
+            <a:gdLst>
+              <a:gd name="T0" fmla="*/ 209 w 209"/>
+              <a:gd name="T1" fmla="*/ 2246 h 2358"/>
+              <a:gd name="T2" fmla="*/ 0 w 209"/>
+              <a:gd name="T3" fmla="*/ 2358 h 2358"/>
+              <a:gd name="T4" fmla="*/ 0 w 209"/>
+              <a:gd name="T5" fmla="*/ 111 h 2358"/>
+              <a:gd name="T6" fmla="*/ 209 w 209"/>
+              <a:gd name="T7" fmla="*/ 0 h 2358"/>
+              <a:gd name="T8" fmla="*/ 209 w 209"/>
+              <a:gd name="T9" fmla="*/ 2246 h 2358"/>
+            </a:gdLst>
+            <a:ahLst/>
+            <a:cxnLst>
+              <a:cxn ang="0">
+                <a:pos x="T0" y="T1"/>
+              </a:cxn>
+              <a:cxn ang="0">
+                <a:pos x="T2" y="T3"/>
+              </a:cxn>
+              <a:cxn ang="0">
+                <a:pos x="T4" y="T5"/>
+              </a:cxn>
+              <a:cxn ang="0">
+                <a:pos x="T6" y="T7"/>
+              </a:cxn>
+              <a:cxn ang="0">
+                <a:pos x="T8" y="T9"/>
+              </a:cxn>
+            </a:cxnLst>
+            <a:rect l="0" t="0" r="r" b="b"/>
+            <a:pathLst>
+              <a:path w="209" h="2358">
+                <a:moveTo>
+                  <a:pt x="209" y="2246"/>
+                </a:moveTo>
+                <a:lnTo>
+                  <a:pt x="0" y="2358"/>
+                </a:lnTo>
+                <a:lnTo>
+                  <a:pt x="0" y="111"/>
+                </a:lnTo>
+                <a:lnTo>
+                  <a:pt x="209" y="0"/>
+                </a:lnTo>
+                <a:lnTo>
+                  <a:pt x="209" y="2246"/>
+                </a:lnTo>
+                <a:close/>
+              </a:path>
+            </a:pathLst>
+          </a:custGeom>
+          <a:solidFill>
+            <a:schemeClr val="accent1">
+              <a:lumMod val="50000"/>
+            </a:schemeClr>
+          </a:solidFill>
+          <a:ln>
+            <a:noFill/>
+          </a:ln>
+        </p:spPr>
+        <p:txBody>
+          <a:bodyPr vert="horz" wrap="square" lIns="91440" tIns="45720" rIns="91440" bIns="45720" numCol="1" anchor="t" anchorCtr="0" compatLnSpc="1">
+            <a:prstTxWarp prst="textNoShape">
+              <a:avLst/>
+            </a:prstTxWarp>
+          </a:bodyPr>
+          <a:lstStyle/>
+          <a:p>
+            <a:endParaRPr lang="en-US"/>
+          </a:p>
+        </p:txBody>
+      </p:sp>
+      <p:sp>
+        <p:nvSpPr>
+          <p:cNvPr id="24" name="Rectangle 8">
+            <a:extLst>
+              <a:ext uri="{FF2B5EF4-FFF2-40B4-BE49-F238E27FC236}">
+                <a16:creationId xmlns:a16="http://schemas.microsoft.com/office/drawing/2014/main" id="{A30A2C81-7CE8-4A85-9E15-548E7F466F4A}"/>
+              </a:ext>
+              <a:ext uri="{C183D7F6-B498-43B3-948B-1728B52AA6E4}">
+                <adec:decorative xmlns:adec="http://schemas.microsoft.com/office/drawing/2017/decorative" val="1"/>
+              </a:ext>
+            </a:extLst>
+          </p:cNvPr>
+          <p:cNvSpPr>
+            <a:spLocks noGrp="1" noRot="1" noChangeAspect="1" noMove="1" noResize="1" noEditPoints="1" noAdjustHandles="1" noChangeArrowheads="1" noChangeShapeType="1" noTextEdit="1"/>
+          </p:cNvSpPr>
+          <p:nvPr>
+            <p:extLst>
+              <p:ext uri="{386F3935-93C4-4BCD-93E2-E3B085C9AB24}">
+                <p16:designElem xmlns:p16="http://schemas.microsoft.com/office/powerpoint/2015/main" val="1"/>
+              </p:ext>
+            </p:extLst>
+          </p:nvPr>
+        </p:nvSpPr>
+        <p:spPr bwMode="auto">
+          <a:xfrm>
+            <a:off x="1258859" y="1118007"/>
+            <a:ext cx="5634295" cy="3531073"/>
+          </a:xfrm>
+          <a:prstGeom prst="rect">
+            <a:avLst/>
+          </a:prstGeom>
+          <a:solidFill>
+            <a:schemeClr val="accent1"/>
+          </a:solidFill>
+          <a:ln>
+            <a:noFill/>
+          </a:ln>
+        </p:spPr>
+        <p:txBody>
+          <a:bodyPr vert="horz" wrap="square" lIns="91440" tIns="45720" rIns="91440" bIns="45720" numCol="1" anchor="t" anchorCtr="0" compatLnSpc="1">
+            <a:prstTxWarp prst="textNoShape">
+              <a:avLst/>
+            </a:prstTxWarp>
+          </a:bodyPr>
+          <a:lstStyle/>
+          <a:p>
+            <a:endParaRPr lang="en-US"/>
+          </a:p>
+        </p:txBody>
+      </p:sp>
+      <p:sp>
+        <p:nvSpPr>
+          <p:cNvPr id="2" name="Titel 1">
+            <a:extLst>
+              <a:ext uri="{FF2B5EF4-FFF2-40B4-BE49-F238E27FC236}">
+                <a16:creationId xmlns:a16="http://schemas.microsoft.com/office/drawing/2014/main" id="{160D286A-6190-30A7-40E3-6315F146853C}"/>
               </a:ext>
             </a:extLst>
           </p:cNvPr>
@@ -5917,8 +4212,8 @@
         </p:nvSpPr>
         <p:spPr>
           <a:xfrm>
-            <a:off x="643468" y="643467"/>
-            <a:ext cx="4620584" cy="4567137"/>
+            <a:off x="1570455" y="1426969"/>
+            <a:ext cx="5158973" cy="3005883"/>
           </a:xfrm>
         </p:spPr>
         <p:txBody>
@@ -5929,18 +4224,22 @@
           <a:p>
             <a:pPr algn="l"/>
             <a:r>
-              <a:rPr lang="de-DE" sz="4400"/>
-              <a:t>Vielen Dank!</a:t>
-            </a:r>
-          </a:p>
-        </p:txBody>
-      </p:sp>
-      <p:sp>
-        <p:nvSpPr>
-          <p:cNvPr id="9" name="Untertitel 2">
-            <a:extLst>
-              <a:ext uri="{FF2B5EF4-FFF2-40B4-BE49-F238E27FC236}">
-                <a16:creationId xmlns:a16="http://schemas.microsoft.com/office/drawing/2014/main" id="{A2A4B91D-396F-F2F0-A913-78FF45A01051}"/>
+              <a:rPr lang="de-DE" sz="5400">
+                <a:solidFill>
+                  <a:srgbClr val="FFFFFF"/>
+                </a:solidFill>
+              </a:rPr>
+              <a:t>JAdventure</a:t>
+            </a:r>
+          </a:p>
+        </p:txBody>
+      </p:sp>
+      <p:sp>
+        <p:nvSpPr>
+          <p:cNvPr id="3" name="Untertitel 2">
+            <a:extLst>
+              <a:ext uri="{FF2B5EF4-FFF2-40B4-BE49-F238E27FC236}">
+                <a16:creationId xmlns:a16="http://schemas.microsoft.com/office/drawing/2014/main" id="{331DA519-A2FB-9F7D-E893-E7F08C4DB4AA}"/>
               </a:ext>
             </a:extLst>
           </p:cNvPr>
@@ -5953,8 +4252,8 @@
         </p:nvSpPr>
         <p:spPr>
           <a:xfrm>
-            <a:off x="643467" y="5277684"/>
-            <a:ext cx="4620584" cy="775494"/>
+            <a:off x="1524000" y="4810308"/>
+            <a:ext cx="4572000" cy="1076551"/>
           </a:xfrm>
         </p:spPr>
         <p:txBody>
@@ -5963,11 +4262,1271 @@
           </a:bodyPr>
           <a:lstStyle/>
           <a:p>
+            <a:pPr algn="r"/>
+            <a:r>
+              <a:rPr lang="de-DE" sz="2000" dirty="0"/>
+              <a:t>Lektion 1 – Vision</a:t>
+            </a:r>
+          </a:p>
+        </p:txBody>
+      </p:sp>
+      <p:pic>
+        <p:nvPicPr>
+          <p:cNvPr id="4" name="Grafik 3" descr="Ein Bild, das Text enthält.&#10;&#10;Automatisch generierte Beschreibung">
+            <a:extLst>
+              <a:ext uri="{FF2B5EF4-FFF2-40B4-BE49-F238E27FC236}">
+                <a16:creationId xmlns:a16="http://schemas.microsoft.com/office/drawing/2014/main" id="{FA02FDC0-4D0C-EB7C-9A92-3BDCF245FF3D}"/>
+              </a:ext>
+            </a:extLst>
+          </p:cNvPr>
+          <p:cNvPicPr>
+            <a:picLocks noChangeAspect="1"/>
+          </p:cNvPicPr>
+          <p:nvPr/>
+        </p:nvPicPr>
+        <p:blipFill>
+          <a:blip r:embed="rId3">
+            <a:extLst>
+              <a:ext uri="{28A0092B-C50C-407E-A947-70E740481C1C}">
+                <a14:useLocalDpi xmlns:a14="http://schemas.microsoft.com/office/drawing/2010/main" val="0"/>
+              </a:ext>
+            </a:extLst>
+          </a:blip>
+          <a:stretch>
+            <a:fillRect/>
+          </a:stretch>
+        </p:blipFill>
+        <p:spPr>
+          <a:xfrm rot="21600000">
+            <a:off x="7426518" y="2634673"/>
+            <a:ext cx="3966906" cy="1735521"/>
+          </a:xfrm>
+          <a:prstGeom prst="rect">
+            <a:avLst/>
+          </a:prstGeom>
+        </p:spPr>
+      </p:pic>
+      <p:sp>
+        <p:nvSpPr>
+          <p:cNvPr id="5" name="Textfeld 4">
+            <a:extLst>
+              <a:ext uri="{FF2B5EF4-FFF2-40B4-BE49-F238E27FC236}">
+                <a16:creationId xmlns:a16="http://schemas.microsoft.com/office/drawing/2014/main" id="{4750B92A-39DC-05AB-EB0C-558C09B20598}"/>
+              </a:ext>
+            </a:extLst>
+          </p:cNvPr>
+          <p:cNvSpPr txBox="1"/>
+          <p:nvPr/>
+        </p:nvSpPr>
+        <p:spPr>
+          <a:xfrm>
+            <a:off x="0" y="59267"/>
+            <a:ext cx="12192000" cy="584775"/>
+          </a:xfrm>
+          <a:prstGeom prst="rect">
+            <a:avLst/>
+          </a:prstGeom>
+          <a:noFill/>
+        </p:spPr>
+        <p:txBody>
+          <a:bodyPr wrap="square" rtlCol="0">
+            <a:spAutoFit/>
+          </a:bodyPr>
+          <a:lstStyle/>
+          <a:p>
+            <a:pPr algn="ctr">
+              <a:spcAft>
+                <a:spcPts val="600"/>
+              </a:spcAft>
+            </a:pPr>
+            <a:r>
+              <a:rPr lang="de-DE" sz="3200" dirty="0">
+                <a:solidFill>
+                  <a:srgbClr val="FF0000"/>
+                </a:solidFill>
+              </a:rPr>
+              <a:t>https://</a:t>
+            </a:r>
+            <a:r>
+              <a:rPr lang="de-DE" sz="3200" dirty="0" err="1">
+                <a:solidFill>
+                  <a:srgbClr val="FF0000"/>
+                </a:solidFill>
+              </a:rPr>
+              <a:t>www.jadventure.de</a:t>
+            </a:r>
+            <a:endParaRPr lang="de-DE" sz="3200">
+              <a:solidFill>
+                <a:srgbClr val="FF0000"/>
+              </a:solidFill>
+            </a:endParaRPr>
+          </a:p>
+        </p:txBody>
+      </p:sp>
+    </p:spTree>
+    <p:extLst>
+      <p:ext uri="{BB962C8B-B14F-4D97-AF65-F5344CB8AC3E}">
+        <p14:creationId xmlns:p14="http://schemas.microsoft.com/office/powerpoint/2010/main" val="3358351342"/>
+      </p:ext>
+    </p:extLst>
+  </p:cSld>
+  <p:clrMapOvr>
+    <a:masterClrMapping/>
+  </p:clrMapOvr>
+</p:sld>
+</file>
+
+<file path=ppt/slides/slide2.xml><?xml version="1.0" encoding="utf-8"?>
+<p:sld xmlns:a="http://schemas.openxmlformats.org/drawingml/2006/main" xmlns:r="http://schemas.openxmlformats.org/officeDocument/2006/relationships" xmlns:p="http://schemas.openxmlformats.org/presentationml/2006/main">
+  <p:cSld>
+    <p:bg>
+      <p:bgPr>
+        <a:solidFill>
+          <a:schemeClr val="bg1"/>
+        </a:solidFill>
+        <a:effectLst/>
+      </p:bgPr>
+    </p:bg>
+    <p:spTree>
+      <p:nvGrpSpPr>
+        <p:cNvPr id="1" name=""/>
+        <p:cNvGrpSpPr/>
+        <p:nvPr/>
+      </p:nvGrpSpPr>
+      <p:grpSpPr>
+        <a:xfrm>
+          <a:off x="0" y="0"/>
+          <a:ext cx="0" cy="0"/>
+          <a:chOff x="0" y="0"/>
+          <a:chExt cx="0" cy="0"/>
+        </a:xfrm>
+      </p:grpSpPr>
+      <p:sp useBgFill="1">
+        <p:nvSpPr>
+          <p:cNvPr id="8" name="Rectangle 7">
+            <a:extLst>
+              <a:ext uri="{FF2B5EF4-FFF2-40B4-BE49-F238E27FC236}">
+                <a16:creationId xmlns:a16="http://schemas.microsoft.com/office/drawing/2014/main" id="{6A1473A6-3F22-483E-8A30-80B9D2B14592}"/>
+              </a:ext>
+              <a:ext uri="{C183D7F6-B498-43B3-948B-1728B52AA6E4}">
+                <adec:decorative xmlns:adec="http://schemas.microsoft.com/office/drawing/2017/decorative" val="1"/>
+              </a:ext>
+            </a:extLst>
+          </p:cNvPr>
+          <p:cNvSpPr>
+            <a:spLocks noGrp="1" noRot="1" noChangeAspect="1" noMove="1" noResize="1" noEditPoints="1" noAdjustHandles="1" noChangeArrowheads="1" noChangeShapeType="1" noTextEdit="1"/>
+          </p:cNvSpPr>
+          <p:nvPr>
+            <p:extLst>
+              <p:ext uri="{386F3935-93C4-4BCD-93E2-E3B085C9AB24}">
+                <p16:designElem xmlns:p16="http://schemas.microsoft.com/office/powerpoint/2015/main" val="1"/>
+              </p:ext>
+            </p:extLst>
+          </p:nvPr>
+        </p:nvSpPr>
+        <p:spPr>
+          <a:xfrm>
+            <a:off x="0" y="0"/>
+            <a:ext cx="12188952" cy="6858000"/>
+          </a:xfrm>
+          <a:prstGeom prst="rect">
+            <a:avLst/>
+          </a:prstGeom>
+          <a:ln>
+            <a:noFill/>
+          </a:ln>
+        </p:spPr>
+        <p:style>
+          <a:lnRef idx="2">
+            <a:schemeClr val="accent1">
+              <a:shade val="50000"/>
+            </a:schemeClr>
+          </a:lnRef>
+          <a:fillRef idx="1">
+            <a:schemeClr val="accent1"/>
+          </a:fillRef>
+          <a:effectRef idx="0">
+            <a:schemeClr val="accent1"/>
+          </a:effectRef>
+          <a:fontRef idx="minor">
+            <a:schemeClr val="lt1"/>
+          </a:fontRef>
+        </p:style>
+        <p:txBody>
+          <a:bodyPr rtlCol="0" anchor="ctr"/>
+          <a:lstStyle/>
+          <a:p>
+            <a:pPr algn="ctr"/>
+            <a:endParaRPr lang="en-US" dirty="0"/>
+          </a:p>
+        </p:txBody>
+      </p:sp>
+      <p:grpSp>
+        <p:nvGrpSpPr>
+          <p:cNvPr id="10" name="Group 9">
+            <a:extLst>
+              <a:ext uri="{FF2B5EF4-FFF2-40B4-BE49-F238E27FC236}">
+                <a16:creationId xmlns:a16="http://schemas.microsoft.com/office/drawing/2014/main" id="{AA1375E3-3E53-4D75-BAB7-E5929BFCB25F}"/>
+              </a:ext>
+              <a:ext uri="{C183D7F6-B498-43B3-948B-1728B52AA6E4}">
+                <adec:decorative xmlns:adec="http://schemas.microsoft.com/office/drawing/2017/decorative" val="1"/>
+              </a:ext>
+            </a:extLst>
+          </p:cNvPr>
+          <p:cNvGrpSpPr>
+            <a:grpSpLocks noGrp="1" noUngrp="1" noRot="1" noChangeAspect="1" noMove="1" noResize="1"/>
+          </p:cNvGrpSpPr>
+          <p:nvPr>
+            <p:extLst>
+              <p:ext uri="{386F3935-93C4-4BCD-93E2-E3B085C9AB24}">
+                <p16:designElem xmlns:p16="http://schemas.microsoft.com/office/powerpoint/2015/main" val="1"/>
+              </p:ext>
+            </p:extLst>
+          </p:nvPr>
+        </p:nvGrpSpPr>
+        <p:grpSpPr>
+          <a:xfrm flipH="1">
+            <a:off x="534368" y="563918"/>
+            <a:ext cx="4119932" cy="5978614"/>
+            <a:chOff x="7513372" y="803186"/>
+            <a:chExt cx="4163968" cy="5978614"/>
+          </a:xfrm>
+        </p:grpSpPr>
+        <p:sp>
+          <p:nvSpPr>
+            <p:cNvPr id="11" name="Freeform 6">
+              <a:extLst>
+                <a:ext uri="{FF2B5EF4-FFF2-40B4-BE49-F238E27FC236}">
+                  <a16:creationId xmlns:a16="http://schemas.microsoft.com/office/drawing/2014/main" id="{0BBEEF67-3DDF-46CF-8CD5-EA5F0E4FB07D}"/>
+                </a:ext>
+                <a:ext uri="{C183D7F6-B498-43B3-948B-1728B52AA6E4}">
+                  <adec:decorative xmlns:adec="http://schemas.microsoft.com/office/drawing/2017/decorative" val="1"/>
+                </a:ext>
+              </a:extLst>
+            </p:cNvPr>
+            <p:cNvSpPr>
+              <a:spLocks/>
+            </p:cNvSpPr>
+            <p:nvPr>
+              <p:extLst>
+                <p:ext uri="{386F3935-93C4-4BCD-93E2-E3B085C9AB24}">
+                  <p16:designElem xmlns:p16="http://schemas.microsoft.com/office/powerpoint/2015/main" val="1"/>
+                </p:ext>
+              </p:extLst>
+            </p:nvPr>
+          </p:nvSpPr>
+          <p:spPr bwMode="auto">
+            <a:xfrm>
+              <a:off x="10989586" y="1070835"/>
+              <a:ext cx="687754" cy="5710965"/>
+            </a:xfrm>
+            <a:custGeom>
+              <a:avLst/>
+              <a:gdLst>
+                <a:gd name="T0" fmla="*/ 414 w 414"/>
+                <a:gd name="T1" fmla="*/ 2447 h 2447"/>
+                <a:gd name="T2" fmla="*/ 0 w 414"/>
+                <a:gd name="T3" fmla="*/ 2247 h 2447"/>
+                <a:gd name="T4" fmla="*/ 0 w 414"/>
+                <a:gd name="T5" fmla="*/ 0 h 2447"/>
+                <a:gd name="T6" fmla="*/ 414 w 414"/>
+                <a:gd name="T7" fmla="*/ 200 h 2447"/>
+                <a:gd name="T8" fmla="*/ 414 w 414"/>
+                <a:gd name="T9" fmla="*/ 2447 h 2447"/>
+              </a:gdLst>
+              <a:ahLst/>
+              <a:cxnLst>
+                <a:cxn ang="0">
+                  <a:pos x="T0" y="T1"/>
+                </a:cxn>
+                <a:cxn ang="0">
+                  <a:pos x="T2" y="T3"/>
+                </a:cxn>
+                <a:cxn ang="0">
+                  <a:pos x="T4" y="T5"/>
+                </a:cxn>
+                <a:cxn ang="0">
+                  <a:pos x="T6" y="T7"/>
+                </a:cxn>
+                <a:cxn ang="0">
+                  <a:pos x="T8" y="T9"/>
+                </a:cxn>
+              </a:cxnLst>
+              <a:rect l="0" t="0" r="r" b="b"/>
+              <a:pathLst>
+                <a:path w="414" h="2447">
+                  <a:moveTo>
+                    <a:pt x="414" y="2447"/>
+                  </a:moveTo>
+                  <a:lnTo>
+                    <a:pt x="0" y="2247"/>
+                  </a:lnTo>
+                  <a:lnTo>
+                    <a:pt x="0" y="0"/>
+                  </a:lnTo>
+                  <a:lnTo>
+                    <a:pt x="414" y="200"/>
+                  </a:lnTo>
+                  <a:lnTo>
+                    <a:pt x="414" y="2447"/>
+                  </a:lnTo>
+                  <a:close/>
+                </a:path>
+              </a:pathLst>
+            </a:custGeom>
+            <a:solidFill>
+              <a:schemeClr val="accent1">
+                <a:lumMod val="75000"/>
+              </a:schemeClr>
+            </a:solidFill>
+            <a:ln>
+              <a:noFill/>
+            </a:ln>
+          </p:spPr>
+          <p:txBody>
+            <a:bodyPr vert="horz" wrap="square" lIns="91440" tIns="45720" rIns="91440" bIns="45720" numCol="1" anchor="t" anchorCtr="0" compatLnSpc="1">
+              <a:prstTxWarp prst="textNoShape">
+                <a:avLst/>
+              </a:prstTxWarp>
+            </a:bodyPr>
+            <a:lstStyle/>
+            <a:p>
+              <a:endParaRPr lang="en-US"/>
+            </a:p>
+          </p:txBody>
+        </p:sp>
+        <p:sp>
+          <p:nvSpPr>
+            <p:cNvPr id="12" name="Freeform 7">
+              <a:extLst>
+                <a:ext uri="{FF2B5EF4-FFF2-40B4-BE49-F238E27FC236}">
+                  <a16:creationId xmlns:a16="http://schemas.microsoft.com/office/drawing/2014/main" id="{8FAC1C95-F817-487C-B8B2-CF141FBB1C2E}"/>
+                </a:ext>
+                <a:ext uri="{C183D7F6-B498-43B3-948B-1728B52AA6E4}">
+                  <adec:decorative xmlns:adec="http://schemas.microsoft.com/office/drawing/2017/decorative" val="1"/>
+                </a:ext>
+              </a:extLst>
+            </p:cNvPr>
+            <p:cNvSpPr>
+              <a:spLocks/>
+            </p:cNvSpPr>
+            <p:nvPr>
+              <p:extLst>
+                <p:ext uri="{386F3935-93C4-4BCD-93E2-E3B085C9AB24}">
+                  <p16:designElem xmlns:p16="http://schemas.microsoft.com/office/powerpoint/2015/main" val="1"/>
+                </p:ext>
+              </p:extLst>
+            </p:nvPr>
+          </p:nvSpPr>
+          <p:spPr bwMode="auto">
+            <a:xfrm>
+              <a:off x="10988949" y="803186"/>
+              <a:ext cx="409371" cy="5521414"/>
+            </a:xfrm>
+            <a:custGeom>
+              <a:avLst/>
+              <a:gdLst>
+                <a:gd name="T0" fmla="*/ 209 w 209"/>
+                <a:gd name="T1" fmla="*/ 2246 h 2358"/>
+                <a:gd name="T2" fmla="*/ 0 w 209"/>
+                <a:gd name="T3" fmla="*/ 2358 h 2358"/>
+                <a:gd name="T4" fmla="*/ 0 w 209"/>
+                <a:gd name="T5" fmla="*/ 111 h 2358"/>
+                <a:gd name="T6" fmla="*/ 209 w 209"/>
+                <a:gd name="T7" fmla="*/ 0 h 2358"/>
+                <a:gd name="T8" fmla="*/ 209 w 209"/>
+                <a:gd name="T9" fmla="*/ 2246 h 2358"/>
+              </a:gdLst>
+              <a:ahLst/>
+              <a:cxnLst>
+                <a:cxn ang="0">
+                  <a:pos x="T0" y="T1"/>
+                </a:cxn>
+                <a:cxn ang="0">
+                  <a:pos x="T2" y="T3"/>
+                </a:cxn>
+                <a:cxn ang="0">
+                  <a:pos x="T4" y="T5"/>
+                </a:cxn>
+                <a:cxn ang="0">
+                  <a:pos x="T6" y="T7"/>
+                </a:cxn>
+                <a:cxn ang="0">
+                  <a:pos x="T8" y="T9"/>
+                </a:cxn>
+              </a:cxnLst>
+              <a:rect l="0" t="0" r="r" b="b"/>
+              <a:pathLst>
+                <a:path w="209" h="2358">
+                  <a:moveTo>
+                    <a:pt x="209" y="2246"/>
+                  </a:moveTo>
+                  <a:lnTo>
+                    <a:pt x="0" y="2358"/>
+                  </a:lnTo>
+                  <a:lnTo>
+                    <a:pt x="0" y="111"/>
+                  </a:lnTo>
+                  <a:lnTo>
+                    <a:pt x="209" y="0"/>
+                  </a:lnTo>
+                  <a:lnTo>
+                    <a:pt x="209" y="2246"/>
+                  </a:lnTo>
+                  <a:close/>
+                </a:path>
+              </a:pathLst>
+            </a:custGeom>
+            <a:solidFill>
+              <a:schemeClr val="accent1">
+                <a:lumMod val="50000"/>
+              </a:schemeClr>
+            </a:solidFill>
+            <a:ln>
+              <a:noFill/>
+            </a:ln>
+          </p:spPr>
+          <p:txBody>
+            <a:bodyPr vert="horz" wrap="square" lIns="91440" tIns="45720" rIns="91440" bIns="45720" numCol="1" anchor="t" anchorCtr="0" compatLnSpc="1">
+              <a:prstTxWarp prst="textNoShape">
+                <a:avLst/>
+              </a:prstTxWarp>
+            </a:bodyPr>
+            <a:lstStyle/>
+            <a:p>
+              <a:endParaRPr lang="en-US"/>
+            </a:p>
+          </p:txBody>
+        </p:sp>
+        <p:sp>
+          <p:nvSpPr>
+            <p:cNvPr id="13" name="Rectangle 8">
+              <a:extLst>
+                <a:ext uri="{FF2B5EF4-FFF2-40B4-BE49-F238E27FC236}">
+                  <a16:creationId xmlns:a16="http://schemas.microsoft.com/office/drawing/2014/main" id="{C2C5363A-D941-4AA1-8D38-D7E44A1E2E01}"/>
+                </a:ext>
+                <a:ext uri="{C183D7F6-B498-43B3-948B-1728B52AA6E4}">
+                  <adec:decorative xmlns:adec="http://schemas.microsoft.com/office/drawing/2017/decorative" val="1"/>
+                </a:ext>
+              </a:extLst>
+            </p:cNvPr>
+            <p:cNvSpPr>
+              <a:spLocks noChangeArrowheads="1"/>
+            </p:cNvSpPr>
+            <p:nvPr>
+              <p:extLst>
+                <p:ext uri="{386F3935-93C4-4BCD-93E2-E3B085C9AB24}">
+                  <p16:designElem xmlns:p16="http://schemas.microsoft.com/office/powerpoint/2015/main" val="1"/>
+                </p:ext>
+              </p:extLst>
+            </p:nvPr>
+          </p:nvSpPr>
+          <p:spPr bwMode="auto">
+            <a:xfrm>
+              <a:off x="7513372" y="804101"/>
+              <a:ext cx="3880238" cy="5251646"/>
+            </a:xfrm>
+            <a:prstGeom prst="rect">
+              <a:avLst/>
+            </a:prstGeom>
+            <a:solidFill>
+              <a:schemeClr val="accent1"/>
+            </a:solidFill>
+            <a:ln>
+              <a:noFill/>
+            </a:ln>
+          </p:spPr>
+          <p:txBody>
+            <a:bodyPr vert="horz" wrap="square" lIns="91440" tIns="45720" rIns="91440" bIns="45720" numCol="1" anchor="t" anchorCtr="0" compatLnSpc="1">
+              <a:prstTxWarp prst="textNoShape">
+                <a:avLst/>
+              </a:prstTxWarp>
+            </a:bodyPr>
+            <a:lstStyle/>
+            <a:p>
+              <a:endParaRPr lang="en-US"/>
+            </a:p>
+          </p:txBody>
+        </p:sp>
+      </p:grpSp>
+      <p:sp>
+        <p:nvSpPr>
+          <p:cNvPr id="2" name="Titel 1">
+            <a:extLst>
+              <a:ext uri="{FF2B5EF4-FFF2-40B4-BE49-F238E27FC236}">
+                <a16:creationId xmlns:a16="http://schemas.microsoft.com/office/drawing/2014/main" id="{A4923F14-999E-756E-E799-F6AD04110026}"/>
+              </a:ext>
+            </a:extLst>
+          </p:cNvPr>
+          <p:cNvSpPr>
+            <a:spLocks noGrp="1"/>
+          </p:cNvSpPr>
+          <p:nvPr>
+            <p:ph type="title"/>
+          </p:nvPr>
+        </p:nvSpPr>
+        <p:spPr>
+          <a:xfrm>
+            <a:off x="1098468" y="885651"/>
+            <a:ext cx="3229803" cy="4624603"/>
+          </a:xfrm>
+        </p:spPr>
+        <p:txBody>
+          <a:bodyPr>
+            <a:normAutofit/>
+          </a:bodyPr>
+          <a:lstStyle/>
+          <a:p>
+            <a:r>
+              <a:rPr lang="de-DE" dirty="0" err="1">
+                <a:solidFill>
+                  <a:srgbClr val="FFFFFF"/>
+                </a:solidFill>
+              </a:rPr>
+              <a:t>JAdventure</a:t>
+            </a:r>
+            <a:r>
+              <a:rPr lang="de-DE" dirty="0">
+                <a:solidFill>
+                  <a:srgbClr val="FFFFFF"/>
+                </a:solidFill>
+              </a:rPr>
+              <a:t> – 2D MMORPG </a:t>
+            </a:r>
+          </a:p>
+        </p:txBody>
+      </p:sp>
+      <p:sp>
+        <p:nvSpPr>
+          <p:cNvPr id="3" name="Inhaltsplatzhalter 2">
+            <a:extLst>
+              <a:ext uri="{FF2B5EF4-FFF2-40B4-BE49-F238E27FC236}">
+                <a16:creationId xmlns:a16="http://schemas.microsoft.com/office/drawing/2014/main" id="{3B1BDDE3-4924-5D1B-0166-6A7324F498EC}"/>
+              </a:ext>
+            </a:extLst>
+          </p:cNvPr>
+          <p:cNvSpPr>
+            <a:spLocks noGrp="1"/>
+          </p:cNvSpPr>
+          <p:nvPr>
+            <p:ph idx="1"/>
+          </p:nvPr>
+        </p:nvSpPr>
+        <p:spPr>
+          <a:xfrm>
+            <a:off x="5137264" y="885652"/>
+            <a:ext cx="6366663" cy="3245774"/>
+          </a:xfrm>
+        </p:spPr>
+        <p:txBody>
+          <a:bodyPr anchor="ctr">
+            <a:normAutofit/>
+          </a:bodyPr>
+          <a:lstStyle/>
+          <a:p>
+            <a:pPr marL="0" indent="0">
+              <a:buNone/>
+            </a:pPr>
+            <a:r>
+              <a:rPr lang="de-DE" sz="2400" dirty="0"/>
+              <a:t>2D Grafiken</a:t>
+            </a:r>
+          </a:p>
+          <a:p>
+            <a:pPr marL="0" indent="0">
+              <a:buNone/>
+            </a:pPr>
+            <a:r>
+              <a:rPr lang="de-DE" sz="2400" dirty="0"/>
+              <a:t>Viele Spieler sollen zusammen spielen können</a:t>
+            </a:r>
+          </a:p>
+          <a:p>
+            <a:pPr marL="0" indent="0">
+              <a:buNone/>
+            </a:pPr>
+            <a:r>
+              <a:rPr lang="de-DE" sz="2400" dirty="0"/>
+              <a:t>Spielanreize: Ausrüstung, Quests, Leveln, …</a:t>
+            </a:r>
+          </a:p>
+          <a:p>
+            <a:pPr marL="0" indent="0">
+              <a:buNone/>
+            </a:pPr>
+            <a:r>
+              <a:rPr lang="de-DE" sz="2400" dirty="0"/>
+              <a:t>Computer gesteuerte Figuren</a:t>
+            </a:r>
+          </a:p>
+          <a:p>
+            <a:pPr marL="0" indent="0">
+              <a:buNone/>
+            </a:pPr>
+            <a:r>
+              <a:rPr lang="de-DE" sz="2400" dirty="0"/>
+              <a:t>Aktionen über Zeit</a:t>
+            </a:r>
+          </a:p>
+        </p:txBody>
+      </p:sp>
+      <p:pic>
+        <p:nvPicPr>
+          <p:cNvPr id="14" name="Grafik 13">
+            <a:extLst>
+              <a:ext uri="{FF2B5EF4-FFF2-40B4-BE49-F238E27FC236}">
+                <a16:creationId xmlns:a16="http://schemas.microsoft.com/office/drawing/2014/main" id="{439661D2-A589-6F45-7EDD-C12BDD04E3C0}"/>
+              </a:ext>
+            </a:extLst>
+          </p:cNvPr>
+          <p:cNvPicPr>
+            <a:picLocks noChangeAspect="1"/>
+          </p:cNvPicPr>
+          <p:nvPr/>
+        </p:nvPicPr>
+        <p:blipFill>
+          <a:blip r:embed="rId2"/>
+          <a:stretch>
+            <a:fillRect/>
+          </a:stretch>
+        </p:blipFill>
+        <p:spPr>
+          <a:xfrm>
+            <a:off x="5552897" y="4609055"/>
+            <a:ext cx="1475740" cy="1207424"/>
+          </a:xfrm>
+          <a:prstGeom prst="rect">
+            <a:avLst/>
+          </a:prstGeom>
+        </p:spPr>
+      </p:pic>
+      <p:pic>
+        <p:nvPicPr>
+          <p:cNvPr id="16" name="Grafik 15">
+            <a:extLst>
+              <a:ext uri="{FF2B5EF4-FFF2-40B4-BE49-F238E27FC236}">
+                <a16:creationId xmlns:a16="http://schemas.microsoft.com/office/drawing/2014/main" id="{B81E264A-1DA4-2949-300B-257A85685FE8}"/>
+              </a:ext>
+            </a:extLst>
+          </p:cNvPr>
+          <p:cNvPicPr>
+            <a:picLocks noChangeAspect="1"/>
+          </p:cNvPicPr>
+          <p:nvPr/>
+        </p:nvPicPr>
+        <p:blipFill>
+          <a:blip r:embed="rId3"/>
+          <a:stretch>
+            <a:fillRect/>
+          </a:stretch>
+        </p:blipFill>
+        <p:spPr>
+          <a:xfrm>
+            <a:off x="7927234" y="4487019"/>
+            <a:ext cx="1451495" cy="1451495"/>
+          </a:xfrm>
+          <a:prstGeom prst="rect">
+            <a:avLst/>
+          </a:prstGeom>
+        </p:spPr>
+      </p:pic>
+    </p:spTree>
+    <p:extLst>
+      <p:ext uri="{BB962C8B-B14F-4D97-AF65-F5344CB8AC3E}">
+        <p14:creationId xmlns:p14="http://schemas.microsoft.com/office/powerpoint/2010/main" val="2024717339"/>
+      </p:ext>
+    </p:extLst>
+  </p:cSld>
+  <p:clrMapOvr>
+    <a:masterClrMapping/>
+  </p:clrMapOvr>
+</p:sld>
+</file>
+
+<file path=ppt/slides/slide3.xml><?xml version="1.0" encoding="utf-8"?>
+<p:sld xmlns:a="http://schemas.openxmlformats.org/drawingml/2006/main" xmlns:r="http://schemas.openxmlformats.org/officeDocument/2006/relationships" xmlns:p="http://schemas.openxmlformats.org/presentationml/2006/main">
+  <p:cSld>
+    <p:bg>
+      <p:bgPr>
+        <a:solidFill>
+          <a:schemeClr val="bg1"/>
+        </a:solidFill>
+        <a:effectLst/>
+      </p:bgPr>
+    </p:bg>
+    <p:spTree>
+      <p:nvGrpSpPr>
+        <p:cNvPr id="1" name=""/>
+        <p:cNvGrpSpPr/>
+        <p:nvPr/>
+      </p:nvGrpSpPr>
+      <p:grpSpPr>
+        <a:xfrm>
+          <a:off x="0" y="0"/>
+          <a:ext cx="0" cy="0"/>
+          <a:chOff x="0" y="0"/>
+          <a:chExt cx="0" cy="0"/>
+        </a:xfrm>
+      </p:grpSpPr>
+      <p:sp useBgFill="1">
+        <p:nvSpPr>
+          <p:cNvPr id="35" name="Rectangle 34">
+            <a:extLst>
+              <a:ext uri="{FF2B5EF4-FFF2-40B4-BE49-F238E27FC236}">
+                <a16:creationId xmlns:a16="http://schemas.microsoft.com/office/drawing/2014/main" id="{6AF4ABE2-381B-4B67-9C0F-27FFD64F7D91}"/>
+              </a:ext>
+              <a:ext uri="{C183D7F6-B498-43B3-948B-1728B52AA6E4}">
+                <adec:decorative xmlns:adec="http://schemas.microsoft.com/office/drawing/2017/decorative" val="1"/>
+              </a:ext>
+            </a:extLst>
+          </p:cNvPr>
+          <p:cNvSpPr>
+            <a:spLocks noGrp="1" noRot="1" noChangeAspect="1" noMove="1" noResize="1" noEditPoints="1" noAdjustHandles="1" noChangeArrowheads="1" noChangeShapeType="1" noTextEdit="1"/>
+          </p:cNvSpPr>
+          <p:nvPr>
+            <p:extLst>
+              <p:ext uri="{386F3935-93C4-4BCD-93E2-E3B085C9AB24}">
+                <p16:designElem xmlns:p16="http://schemas.microsoft.com/office/powerpoint/2015/main" val="1"/>
+              </p:ext>
+            </p:extLst>
+          </p:nvPr>
+        </p:nvSpPr>
+        <p:spPr>
+          <a:xfrm>
+            <a:off x="0" y="0"/>
+            <a:ext cx="12188952" cy="6858000"/>
+          </a:xfrm>
+          <a:prstGeom prst="rect">
+            <a:avLst/>
+          </a:prstGeom>
+          <a:ln>
+            <a:noFill/>
+          </a:ln>
+        </p:spPr>
+        <p:style>
+          <a:lnRef idx="2">
+            <a:schemeClr val="accent1">
+              <a:shade val="50000"/>
+            </a:schemeClr>
+          </a:lnRef>
+          <a:fillRef idx="1">
+            <a:schemeClr val="accent1"/>
+          </a:fillRef>
+          <a:effectRef idx="0">
+            <a:schemeClr val="accent1"/>
+          </a:effectRef>
+          <a:fontRef idx="minor">
+            <a:schemeClr val="lt1"/>
+          </a:fontRef>
+        </p:style>
+        <p:txBody>
+          <a:bodyPr rtlCol="0" anchor="ctr"/>
+          <a:lstStyle/>
+          <a:p>
+            <a:pPr algn="ctr"/>
+            <a:endParaRPr lang="en-US"/>
+          </a:p>
+        </p:txBody>
+      </p:sp>
+      <p:sp>
+        <p:nvSpPr>
+          <p:cNvPr id="37" name="Rectangle 8">
+            <a:extLst>
+              <a:ext uri="{FF2B5EF4-FFF2-40B4-BE49-F238E27FC236}">
+                <a16:creationId xmlns:a16="http://schemas.microsoft.com/office/drawing/2014/main" id="{4AA509EC-4C56-4A74-A517-3ECD04C3FC84}"/>
+              </a:ext>
+              <a:ext uri="{C183D7F6-B498-43B3-948B-1728B52AA6E4}">
+                <adec:decorative xmlns:adec="http://schemas.microsoft.com/office/drawing/2017/decorative" val="1"/>
+              </a:ext>
+            </a:extLst>
+          </p:cNvPr>
+          <p:cNvSpPr>
+            <a:spLocks noGrp="1" noRot="1" noChangeAspect="1" noMove="1" noResize="1" noEditPoints="1" noAdjustHandles="1" noChangeArrowheads="1" noChangeShapeType="1" noTextEdit="1"/>
+          </p:cNvSpPr>
+          <p:nvPr>
+            <p:extLst>
+              <p:ext uri="{386F3935-93C4-4BCD-93E2-E3B085C9AB24}">
+                <p16:designElem xmlns:p16="http://schemas.microsoft.com/office/powerpoint/2015/main" val="1"/>
+              </p:ext>
+            </p:extLst>
+          </p:nvPr>
+        </p:nvSpPr>
+        <p:spPr bwMode="auto">
+          <a:xfrm>
+            <a:off x="3582070" y="2355786"/>
+            <a:ext cx="7341665" cy="3531073"/>
+          </a:xfrm>
+          <a:prstGeom prst="rect">
+            <a:avLst/>
+          </a:prstGeom>
+          <a:solidFill>
+            <a:schemeClr val="accent1"/>
+          </a:solidFill>
+          <a:ln>
+            <a:noFill/>
+          </a:ln>
+        </p:spPr>
+        <p:txBody>
+          <a:bodyPr vert="horz" wrap="square" lIns="91440" tIns="45720" rIns="91440" bIns="45720" numCol="1" anchor="t" anchorCtr="0" compatLnSpc="1">
+            <a:prstTxWarp prst="textNoShape">
+              <a:avLst/>
+            </a:prstTxWarp>
+          </a:bodyPr>
+          <a:lstStyle/>
+          <a:p>
+            <a:endParaRPr lang="en-US"/>
+          </a:p>
+        </p:txBody>
+      </p:sp>
+      <p:sp>
+        <p:nvSpPr>
+          <p:cNvPr id="8" name="Titel 1">
+            <a:extLst>
+              <a:ext uri="{FF2B5EF4-FFF2-40B4-BE49-F238E27FC236}">
+                <a16:creationId xmlns:a16="http://schemas.microsoft.com/office/drawing/2014/main" id="{8B698AF6-A274-8FE6-E5AE-E171E55C2750}"/>
+              </a:ext>
+            </a:extLst>
+          </p:cNvPr>
+          <p:cNvSpPr>
+            <a:spLocks noGrp="1"/>
+          </p:cNvSpPr>
+          <p:nvPr>
+            <p:ph type="ctrTitle"/>
+          </p:nvPr>
+        </p:nvSpPr>
+        <p:spPr>
+          <a:xfrm>
+            <a:off x="4720689" y="2520377"/>
+            <a:ext cx="5822343" cy="2439683"/>
+          </a:xfrm>
+        </p:spPr>
+        <p:txBody>
+          <a:bodyPr>
+            <a:normAutofit/>
+          </a:bodyPr>
+          <a:lstStyle/>
+          <a:p>
             <a:pPr algn="l"/>
             <a:r>
-              <a:rPr lang="de-DE"/>
+              <a:rPr lang="de-DE" sz="5400">
+                <a:solidFill>
+                  <a:srgbClr val="FFFFFF"/>
+                </a:solidFill>
+              </a:rPr>
+              <a:t>Vielen Dank!</a:t>
+            </a:r>
+          </a:p>
+        </p:txBody>
+      </p:sp>
+      <p:sp>
+        <p:nvSpPr>
+          <p:cNvPr id="9" name="Untertitel 2">
+            <a:extLst>
+              <a:ext uri="{FF2B5EF4-FFF2-40B4-BE49-F238E27FC236}">
+                <a16:creationId xmlns:a16="http://schemas.microsoft.com/office/drawing/2014/main" id="{A2A4B91D-396F-F2F0-A913-78FF45A01051}"/>
+              </a:ext>
+            </a:extLst>
+          </p:cNvPr>
+          <p:cNvSpPr>
+            <a:spLocks noGrp="1"/>
+          </p:cNvSpPr>
+          <p:nvPr>
+            <p:ph type="subTitle" idx="1"/>
+          </p:nvPr>
+        </p:nvSpPr>
+        <p:spPr>
+          <a:xfrm>
+            <a:off x="4720689" y="4963425"/>
+            <a:ext cx="6037467" cy="758843"/>
+          </a:xfrm>
+        </p:spPr>
+        <p:txBody>
+          <a:bodyPr anchor="t">
+            <a:normAutofit/>
+          </a:bodyPr>
+          <a:lstStyle/>
+          <a:p>
+            <a:pPr algn="l"/>
+            <a:r>
+              <a:rPr lang="de-DE" sz="2000">
+                <a:solidFill>
+                  <a:srgbClr val="FFFFFF"/>
+                </a:solidFill>
+              </a:rPr>
               <a:t>Konrad Neitzel   &lt;konrad@kneitzel.de&gt;</a:t>
             </a:r>
+          </a:p>
+        </p:txBody>
+      </p:sp>
+      <p:sp>
+        <p:nvSpPr>
+          <p:cNvPr id="39" name="Freeform 5">
+            <a:extLst>
+              <a:ext uri="{FF2B5EF4-FFF2-40B4-BE49-F238E27FC236}">
+                <a16:creationId xmlns:a16="http://schemas.microsoft.com/office/drawing/2014/main" id="{6FBC94C7-2F0E-4FBA-B442-0E0296AAA7E5}"/>
+              </a:ext>
+              <a:ext uri="{C183D7F6-B498-43B3-948B-1728B52AA6E4}">
+                <adec:decorative xmlns:adec="http://schemas.microsoft.com/office/drawing/2017/decorative" val="1"/>
+              </a:ext>
+            </a:extLst>
+          </p:cNvPr>
+          <p:cNvSpPr>
+            <a:spLocks noGrp="1" noRot="1" noChangeAspect="1" noMove="1" noResize="1" noEditPoints="1" noAdjustHandles="1" noChangeArrowheads="1" noChangeShapeType="1" noTextEdit="1"/>
+          </p:cNvSpPr>
+          <p:nvPr>
+            <p:extLst>
+              <p:ext uri="{386F3935-93C4-4BCD-93E2-E3B085C9AB24}">
+                <p16:designElem xmlns:p16="http://schemas.microsoft.com/office/powerpoint/2015/main" val="1"/>
+              </p:ext>
+            </p:extLst>
+          </p:nvPr>
+        </p:nvSpPr>
+        <p:spPr bwMode="auto">
+          <a:xfrm>
+            <a:off x="3582070" y="1654168"/>
+            <a:ext cx="822493" cy="4232692"/>
+          </a:xfrm>
+          <a:custGeom>
+            <a:avLst/>
+            <a:gdLst>
+              <a:gd name="T0" fmla="*/ 491 w 491"/>
+              <a:gd name="T1" fmla="*/ 2247 h 2732"/>
+              <a:gd name="T2" fmla="*/ 0 w 491"/>
+              <a:gd name="T3" fmla="*/ 2732 h 2732"/>
+              <a:gd name="T4" fmla="*/ 0 w 491"/>
+              <a:gd name="T5" fmla="*/ 486 h 2732"/>
+              <a:gd name="T6" fmla="*/ 491 w 491"/>
+              <a:gd name="T7" fmla="*/ 0 h 2732"/>
+              <a:gd name="T8" fmla="*/ 491 w 491"/>
+              <a:gd name="T9" fmla="*/ 2247 h 2732"/>
+            </a:gdLst>
+            <a:ahLst/>
+            <a:cxnLst>
+              <a:cxn ang="0">
+                <a:pos x="T0" y="T1"/>
+              </a:cxn>
+              <a:cxn ang="0">
+                <a:pos x="T2" y="T3"/>
+              </a:cxn>
+              <a:cxn ang="0">
+                <a:pos x="T4" y="T5"/>
+              </a:cxn>
+              <a:cxn ang="0">
+                <a:pos x="T6" y="T7"/>
+              </a:cxn>
+              <a:cxn ang="0">
+                <a:pos x="T8" y="T9"/>
+              </a:cxn>
+            </a:cxnLst>
+            <a:rect l="0" t="0" r="r" b="b"/>
+            <a:pathLst>
+              <a:path w="491" h="2732">
+                <a:moveTo>
+                  <a:pt x="491" y="2247"/>
+                </a:moveTo>
+                <a:lnTo>
+                  <a:pt x="0" y="2732"/>
+                </a:lnTo>
+                <a:lnTo>
+                  <a:pt x="0" y="486"/>
+                </a:lnTo>
+                <a:lnTo>
+                  <a:pt x="491" y="0"/>
+                </a:lnTo>
+                <a:lnTo>
+                  <a:pt x="491" y="2247"/>
+                </a:lnTo>
+                <a:close/>
+              </a:path>
+            </a:pathLst>
+          </a:custGeom>
+          <a:solidFill>
+            <a:schemeClr val="accent1">
+              <a:lumMod val="50000"/>
+            </a:schemeClr>
+          </a:solidFill>
+          <a:ln>
+            <a:noFill/>
+          </a:ln>
+        </p:spPr>
+        <p:txBody>
+          <a:bodyPr vert="horz" wrap="square" lIns="91440" tIns="45720" rIns="91440" bIns="45720" numCol="1" anchor="t" anchorCtr="0" compatLnSpc="1">
+            <a:prstTxWarp prst="textNoShape">
+              <a:avLst/>
+            </a:prstTxWarp>
+          </a:bodyPr>
+          <a:lstStyle/>
+          <a:p>
+            <a:endParaRPr lang="en-US"/>
+          </a:p>
+        </p:txBody>
+      </p:sp>
+      <p:sp>
+        <p:nvSpPr>
+          <p:cNvPr id="41" name="Freeform 6">
+            <a:extLst>
+              <a:ext uri="{FF2B5EF4-FFF2-40B4-BE49-F238E27FC236}">
+                <a16:creationId xmlns:a16="http://schemas.microsoft.com/office/drawing/2014/main" id="{6CF43A2F-2E6F-44F4-A006-A10CF1DCBD61}"/>
+              </a:ext>
+              <a:ext uri="{C183D7F6-B498-43B3-948B-1728B52AA6E4}">
+                <adec:decorative xmlns:adec="http://schemas.microsoft.com/office/drawing/2017/decorative" val="1"/>
+              </a:ext>
+            </a:extLst>
+          </p:cNvPr>
+          <p:cNvSpPr>
+            <a:spLocks noGrp="1" noRot="1" noChangeAspect="1" noMove="1" noResize="1" noEditPoints="1" noAdjustHandles="1" noChangeArrowheads="1" noChangeShapeType="1" noTextEdit="1"/>
+          </p:cNvSpPr>
+          <p:nvPr>
+            <p:extLst>
+              <p:ext uri="{386F3935-93C4-4BCD-93E2-E3B085C9AB24}">
+                <p16:designElem xmlns:p16="http://schemas.microsoft.com/office/powerpoint/2015/main" val="1"/>
+              </p:ext>
+            </p:extLst>
+          </p:nvPr>
+        </p:nvSpPr>
+        <p:spPr bwMode="auto">
+          <a:xfrm>
+            <a:off x="3716808" y="1311136"/>
+            <a:ext cx="687754" cy="3820236"/>
+          </a:xfrm>
+          <a:custGeom>
+            <a:avLst/>
+            <a:gdLst>
+              <a:gd name="T0" fmla="*/ 414 w 414"/>
+              <a:gd name="T1" fmla="*/ 2447 h 2447"/>
+              <a:gd name="T2" fmla="*/ 0 w 414"/>
+              <a:gd name="T3" fmla="*/ 2247 h 2447"/>
+              <a:gd name="T4" fmla="*/ 0 w 414"/>
+              <a:gd name="T5" fmla="*/ 0 h 2447"/>
+              <a:gd name="T6" fmla="*/ 414 w 414"/>
+              <a:gd name="T7" fmla="*/ 200 h 2447"/>
+              <a:gd name="T8" fmla="*/ 414 w 414"/>
+              <a:gd name="T9" fmla="*/ 2447 h 2447"/>
+            </a:gdLst>
+            <a:ahLst/>
+            <a:cxnLst>
+              <a:cxn ang="0">
+                <a:pos x="T0" y="T1"/>
+              </a:cxn>
+              <a:cxn ang="0">
+                <a:pos x="T2" y="T3"/>
+              </a:cxn>
+              <a:cxn ang="0">
+                <a:pos x="T4" y="T5"/>
+              </a:cxn>
+              <a:cxn ang="0">
+                <a:pos x="T6" y="T7"/>
+              </a:cxn>
+              <a:cxn ang="0">
+                <a:pos x="T8" y="T9"/>
+              </a:cxn>
+            </a:cxnLst>
+            <a:rect l="0" t="0" r="r" b="b"/>
+            <a:pathLst>
+              <a:path w="414" h="2447">
+                <a:moveTo>
+                  <a:pt x="414" y="2447"/>
+                </a:moveTo>
+                <a:lnTo>
+                  <a:pt x="0" y="2247"/>
+                </a:lnTo>
+                <a:lnTo>
+                  <a:pt x="0" y="0"/>
+                </a:lnTo>
+                <a:lnTo>
+                  <a:pt x="414" y="200"/>
+                </a:lnTo>
+                <a:lnTo>
+                  <a:pt x="414" y="2447"/>
+                </a:lnTo>
+                <a:close/>
+              </a:path>
+            </a:pathLst>
+          </a:custGeom>
+          <a:solidFill>
+            <a:schemeClr val="accent1">
+              <a:lumMod val="75000"/>
+            </a:schemeClr>
+          </a:solidFill>
+          <a:ln>
+            <a:noFill/>
+          </a:ln>
+        </p:spPr>
+        <p:txBody>
+          <a:bodyPr vert="horz" wrap="square" lIns="91440" tIns="45720" rIns="91440" bIns="45720" numCol="1" anchor="t" anchorCtr="0" compatLnSpc="1">
+            <a:prstTxWarp prst="textNoShape">
+              <a:avLst/>
+            </a:prstTxWarp>
+          </a:bodyPr>
+          <a:lstStyle/>
+          <a:p>
+            <a:endParaRPr lang="en-US"/>
+          </a:p>
+        </p:txBody>
+      </p:sp>
+      <p:sp>
+        <p:nvSpPr>
+          <p:cNvPr id="43" name="Freeform 7">
+            <a:extLst>
+              <a:ext uri="{FF2B5EF4-FFF2-40B4-BE49-F238E27FC236}">
+                <a16:creationId xmlns:a16="http://schemas.microsoft.com/office/drawing/2014/main" id="{F83DA5F0-0D4C-4E74-8A5C-F6CBD391F071}"/>
+              </a:ext>
+              <a:ext uri="{C183D7F6-B498-43B3-948B-1728B52AA6E4}">
+                <adec:decorative xmlns:adec="http://schemas.microsoft.com/office/drawing/2017/decorative" val="1"/>
+              </a:ext>
+            </a:extLst>
+          </p:cNvPr>
+          <p:cNvSpPr>
+            <a:spLocks noGrp="1" noRot="1" noChangeAspect="1" noMove="1" noResize="1" noEditPoints="1" noAdjustHandles="1" noChangeArrowheads="1" noChangeShapeType="1" noTextEdit="1"/>
+          </p:cNvSpPr>
+          <p:nvPr>
+            <p:extLst>
+              <p:ext uri="{386F3935-93C4-4BCD-93E2-E3B085C9AB24}">
+                <p16:designElem xmlns:p16="http://schemas.microsoft.com/office/powerpoint/2015/main" val="1"/>
+              </p:ext>
+            </p:extLst>
+          </p:nvPr>
+        </p:nvSpPr>
+        <p:spPr bwMode="auto">
+          <a:xfrm>
+            <a:off x="3716808" y="1126737"/>
+            <a:ext cx="347200" cy="3699705"/>
+          </a:xfrm>
+          <a:custGeom>
+            <a:avLst/>
+            <a:gdLst>
+              <a:gd name="T0" fmla="*/ 209 w 209"/>
+              <a:gd name="T1" fmla="*/ 2246 h 2358"/>
+              <a:gd name="T2" fmla="*/ 0 w 209"/>
+              <a:gd name="T3" fmla="*/ 2358 h 2358"/>
+              <a:gd name="T4" fmla="*/ 0 w 209"/>
+              <a:gd name="T5" fmla="*/ 111 h 2358"/>
+              <a:gd name="T6" fmla="*/ 209 w 209"/>
+              <a:gd name="T7" fmla="*/ 0 h 2358"/>
+              <a:gd name="T8" fmla="*/ 209 w 209"/>
+              <a:gd name="T9" fmla="*/ 2246 h 2358"/>
+            </a:gdLst>
+            <a:ahLst/>
+            <a:cxnLst>
+              <a:cxn ang="0">
+                <a:pos x="T0" y="T1"/>
+              </a:cxn>
+              <a:cxn ang="0">
+                <a:pos x="T2" y="T3"/>
+              </a:cxn>
+              <a:cxn ang="0">
+                <a:pos x="T4" y="T5"/>
+              </a:cxn>
+              <a:cxn ang="0">
+                <a:pos x="T6" y="T7"/>
+              </a:cxn>
+              <a:cxn ang="0">
+                <a:pos x="T8" y="T9"/>
+              </a:cxn>
+            </a:cxnLst>
+            <a:rect l="0" t="0" r="r" b="b"/>
+            <a:pathLst>
+              <a:path w="209" h="2358">
+                <a:moveTo>
+                  <a:pt x="209" y="2246"/>
+                </a:moveTo>
+                <a:lnTo>
+                  <a:pt x="0" y="2358"/>
+                </a:lnTo>
+                <a:lnTo>
+                  <a:pt x="0" y="111"/>
+                </a:lnTo>
+                <a:lnTo>
+                  <a:pt x="209" y="0"/>
+                </a:lnTo>
+                <a:lnTo>
+                  <a:pt x="209" y="2246"/>
+                </a:lnTo>
+                <a:close/>
+              </a:path>
+            </a:pathLst>
+          </a:custGeom>
+          <a:solidFill>
+            <a:schemeClr val="accent1">
+              <a:lumMod val="50000"/>
+            </a:schemeClr>
+          </a:solidFill>
+          <a:ln>
+            <a:noFill/>
+          </a:ln>
+        </p:spPr>
+        <p:txBody>
+          <a:bodyPr vert="horz" wrap="square" lIns="91440" tIns="45720" rIns="91440" bIns="45720" numCol="1" anchor="t" anchorCtr="0" compatLnSpc="1">
+            <a:prstTxWarp prst="textNoShape">
+              <a:avLst/>
+            </a:prstTxWarp>
+          </a:bodyPr>
+          <a:lstStyle/>
+          <a:p>
+            <a:endParaRPr lang="en-US"/>
+          </a:p>
+        </p:txBody>
+      </p:sp>
+      <p:sp>
+        <p:nvSpPr>
+          <p:cNvPr id="45" name="Rectangle 44">
+            <a:extLst>
+              <a:ext uri="{FF2B5EF4-FFF2-40B4-BE49-F238E27FC236}">
+                <a16:creationId xmlns:a16="http://schemas.microsoft.com/office/drawing/2014/main" id="{A7798713-AB3F-41E3-8CE3-1C1FBCF7CFD6}"/>
+              </a:ext>
+              <a:ext uri="{C183D7F6-B498-43B3-948B-1728B52AA6E4}">
+                <adec:decorative xmlns:adec="http://schemas.microsoft.com/office/drawing/2017/decorative" val="1"/>
+              </a:ext>
+            </a:extLst>
+          </p:cNvPr>
+          <p:cNvSpPr>
+            <a:spLocks noGrp="1" noRot="1" noChangeAspect="1" noMove="1" noResize="1" noEditPoints="1" noAdjustHandles="1" noChangeArrowheads="1" noChangeShapeType="1" noTextEdit="1"/>
+          </p:cNvSpPr>
+          <p:nvPr>
+            <p:extLst>
+              <p:ext uri="{386F3935-93C4-4BCD-93E2-E3B085C9AB24}">
+                <p16:designElem xmlns:p16="http://schemas.microsoft.com/office/powerpoint/2015/main" val="1"/>
+              </p:ext>
+            </p:extLst>
+          </p:nvPr>
+        </p:nvSpPr>
+        <p:spPr>
+          <a:xfrm>
+            <a:off x="795528" y="1120021"/>
+            <a:ext cx="3268481" cy="3509529"/>
+          </a:xfrm>
+          <a:prstGeom prst="rect">
+            <a:avLst/>
+          </a:prstGeom>
+          <a:solidFill>
+            <a:srgbClr val="FFFFFF"/>
+          </a:solidFill>
+          <a:ln w="9525">
+            <a:noFill/>
+          </a:ln>
+        </p:spPr>
+        <p:style>
+          <a:lnRef idx="2">
+            <a:schemeClr val="accent1">
+              <a:shade val="50000"/>
+            </a:schemeClr>
+          </a:lnRef>
+          <a:fillRef idx="1">
+            <a:schemeClr val="accent1"/>
+          </a:fillRef>
+          <a:effectRef idx="0">
+            <a:schemeClr val="accent1"/>
+          </a:effectRef>
+          <a:fontRef idx="minor">
+            <a:schemeClr val="lt1"/>
+          </a:fontRef>
+        </p:style>
+        <p:txBody>
+          <a:bodyPr rtlCol="0" anchor="ctr"/>
+          <a:lstStyle/>
+          <a:p>
+            <a:pPr algn="ctr"/>
+            <a:endParaRPr lang="en-US"/>
           </a:p>
         </p:txBody>
       </p:sp>
@@ -5999,8 +5558,8 @@
         </p:blipFill>
         <p:spPr>
           <a:xfrm>
-            <a:off x="6606253" y="2347876"/>
-            <a:ext cx="4942280" cy="2162247"/>
+            <a:off x="956395" y="2251790"/>
+            <a:ext cx="2961361" cy="1295595"/>
           </a:xfrm>
           <a:prstGeom prst="rect">
             <a:avLst/>
